--- a/extras/PP presentation.pptx
+++ b/extras/PP presentation.pptx
@@ -7965,7 +7965,7 @@
                 </a:solidFill>
                 <a:latin typeface="+mj-lt"/>
               </a:rPr>
-              <a:t>A lot of the background work completed</a:t>
+              <a:t>A lot of complications getting it set up for donations</a:t>
             </a:r>
             <a:br>
               <a:rPr lang="en-US" sz="1600" dirty="0">
@@ -8374,13 +8374,21 @@
           <a:lstStyle/>
           <a:p>
             <a:r>
-              <a:rPr lang="en-US" sz="1200" dirty="0">
+              <a:rPr lang="en-CA" sz="1200" dirty="0">
                 <a:solidFill>
                   <a:schemeClr val="tx1"/>
                 </a:solidFill>
-                <a:latin typeface="+mj-lt"/>
               </a:rPr>
-              <a:t>Could not get it to work correctly</a:t>
+              <a:t>Got it working in the end! </a:t>
+            </a:r>
+            <a:r>
+              <a:rPr lang="en-CA" sz="1200" dirty="0">
+                <a:solidFill>
+                  <a:schemeClr val="tx1"/>
+                </a:solidFill>
+                <a:sym typeface="Wingdings" panose="05000000000000000000" pitchFamily="2" charset="2"/>
+              </a:rPr>
+              <a:t></a:t>
             </a:r>
             <a:endParaRPr lang="en-CA" sz="1200" dirty="0">
               <a:solidFill>
@@ -8404,7 +8412,7 @@
         </p:nvSpPr>
         <p:spPr>
           <a:xfrm>
-            <a:off x="244800" y="4013377"/>
+            <a:off x="244537" y="4784958"/>
             <a:ext cx="1051625" cy="369302"/>
           </a:xfrm>
           <a:prstGeom prst="rect">
@@ -8463,7 +8471,7 @@
         </p:nvSpPr>
         <p:spPr>
           <a:xfrm>
-            <a:off x="5993879" y="2507880"/>
+            <a:off x="5993879" y="2478312"/>
             <a:ext cx="2870947" cy="1284937"/>
           </a:xfrm>
           <a:prstGeom prst="rect">
@@ -9404,7 +9412,7 @@
         </p:nvSpPr>
         <p:spPr>
           <a:xfrm>
-            <a:off x="3041438" y="1856546"/>
+            <a:off x="6472088" y="1856546"/>
             <a:ext cx="1707129" cy="1461908"/>
           </a:xfrm>
           <a:prstGeom prst="rect">
@@ -9465,78 +9473,6 @@
               </a:spcAft>
               <a:buNone/>
             </a:pPr>
-            <a:endParaRPr lang="fr" sz="1150" dirty="0">
-              <a:solidFill>
-                <a:schemeClr val="dk1"/>
-              </a:solidFill>
-            </a:endParaRPr>
-          </a:p>
-          <a:p>
-            <a:pPr marL="0" lvl="0" indent="0" algn="ctr" rtl="0">
-              <a:spcBef>
-                <a:spcPts val="0"/>
-              </a:spcBef>
-              <a:spcAft>
-                <a:spcPts val="0"/>
-              </a:spcAft>
-              <a:buNone/>
-            </a:pPr>
-            <a:endParaRPr sz="1150" dirty="0">
-              <a:solidFill>
-                <a:schemeClr val="dk1"/>
-              </a:solidFill>
-            </a:endParaRPr>
-          </a:p>
-        </p:txBody>
-      </p:sp>
-      <p:sp>
-        <p:nvSpPr>
-          <p:cNvPr id="14" name="Google Shape;154;p18">
-            <a:extLst>
-              <a:ext uri="{FF2B5EF4-FFF2-40B4-BE49-F238E27FC236}">
-                <a16:creationId xmlns:a16="http://schemas.microsoft.com/office/drawing/2014/main" id="{EFF0D7E2-E63C-400A-B0AC-633698300A61}"/>
-              </a:ext>
-            </a:extLst>
-          </p:cNvPr>
-          <p:cNvSpPr txBox="1"/>
-          <p:nvPr/>
-        </p:nvSpPr>
-        <p:spPr>
-          <a:xfrm>
-            <a:off x="6381982" y="1959729"/>
-            <a:ext cx="1797235" cy="1100271"/>
-          </a:xfrm>
-          <a:prstGeom prst="rect">
-            <a:avLst/>
-          </a:prstGeom>
-          <a:noFill/>
-          <a:ln>
-            <a:noFill/>
-          </a:ln>
-        </p:spPr>
-        <p:txBody>
-          <a:bodyPr spcFirstLastPara="1" wrap="square" lIns="91425" tIns="91425" rIns="91425" bIns="91425" anchor="t" anchorCtr="0">
-            <a:spAutoFit/>
-          </a:bodyPr>
-          <a:lstStyle/>
-          <a:p>
-            <a:pPr marL="0" lvl="0" indent="0" algn="ctr" rtl="0">
-              <a:spcBef>
-                <a:spcPts val="0"/>
-              </a:spcBef>
-              <a:spcAft>
-                <a:spcPts val="0"/>
-              </a:spcAft>
-              <a:buNone/>
-            </a:pPr>
-            <a:r>
-              <a:rPr lang="en-CA" sz="1200" dirty="0">
-                <a:solidFill>
-                  <a:schemeClr val="dk1"/>
-                </a:solidFill>
-              </a:rPr>
-              <a:t>Set up the app with Stripe and the required payment protection to accept donations</a:t>
-            </a:r>
             <a:endParaRPr lang="fr" sz="1150" dirty="0">
               <a:solidFill>
                 <a:schemeClr val="dk1"/>
@@ -9629,6 +9565,78 @@
           </a:prstGeom>
         </p:spPr>
       </p:pic>
+      <p:sp>
+        <p:nvSpPr>
+          <p:cNvPr id="15" name="Google Shape;154;p18">
+            <a:extLst>
+              <a:ext uri="{FF2B5EF4-FFF2-40B4-BE49-F238E27FC236}">
+                <a16:creationId xmlns:a16="http://schemas.microsoft.com/office/drawing/2014/main" id="{D9E5F930-F25C-4A78-A17F-775577F3EEA1}"/>
+              </a:ext>
+            </a:extLst>
+          </p:cNvPr>
+          <p:cNvSpPr txBox="1"/>
+          <p:nvPr/>
+        </p:nvSpPr>
+        <p:spPr>
+          <a:xfrm>
+            <a:off x="3002350" y="1913892"/>
+            <a:ext cx="1707129" cy="900216"/>
+          </a:xfrm>
+          <a:prstGeom prst="rect">
+            <a:avLst/>
+          </a:prstGeom>
+          <a:noFill/>
+          <a:ln>
+            <a:noFill/>
+          </a:ln>
+        </p:spPr>
+        <p:txBody>
+          <a:bodyPr spcFirstLastPara="1" wrap="square" lIns="91425" tIns="91425" rIns="91425" bIns="91425" anchor="t" anchorCtr="0">
+            <a:spAutoFit/>
+          </a:bodyPr>
+          <a:lstStyle/>
+          <a:p>
+            <a:pPr marL="0" lvl="0" indent="0" algn="l" rtl="0">
+              <a:spcBef>
+                <a:spcPts val="0"/>
+              </a:spcBef>
+              <a:spcAft>
+                <a:spcPts val="0"/>
+              </a:spcAft>
+              <a:buNone/>
+            </a:pPr>
+            <a:endParaRPr sz="1200" b="1" dirty="0">
+              <a:solidFill>
+                <a:schemeClr val="dk1"/>
+              </a:solidFill>
+            </a:endParaRPr>
+          </a:p>
+          <a:p>
+            <a:pPr marL="0" lvl="0" indent="0" algn="ctr" rtl="0">
+              <a:spcBef>
+                <a:spcPts val="0"/>
+              </a:spcBef>
+              <a:spcAft>
+                <a:spcPts val="0"/>
+              </a:spcAft>
+              <a:buNone/>
+            </a:pPr>
+            <a:r>
+              <a:rPr lang="en-CA" sz="1150" dirty="0">
+                <a:solidFill>
+                  <a:schemeClr val="dk1"/>
+                </a:solidFill>
+              </a:rPr>
+              <a:t>Save favourite pets and donations made to dashboard</a:t>
+            </a:r>
+            <a:endParaRPr sz="1150" dirty="0">
+              <a:solidFill>
+                <a:schemeClr val="dk1"/>
+              </a:solidFill>
+            </a:endParaRPr>
+          </a:p>
+        </p:txBody>
+      </p:sp>
     </p:spTree>
   </p:cSld>
   <p:clrMapOvr>
@@ -11659,102 +11667,6 @@
       </p:sp>
       <p:sp>
         <p:nvSpPr>
-          <p:cNvPr id="85" name="Google Shape;85;p15"/>
-          <p:cNvSpPr/>
-          <p:nvPr/>
-        </p:nvSpPr>
-        <p:spPr>
-          <a:xfrm>
-            <a:off x="332525" y="3771288"/>
-            <a:ext cx="3997500" cy="572700"/>
-          </a:xfrm>
-          <a:prstGeom prst="homePlate">
-            <a:avLst>
-              <a:gd name="adj" fmla="val 50000"/>
-            </a:avLst>
-          </a:prstGeom>
-          <a:solidFill>
-            <a:srgbClr val="CCCCCC"/>
-          </a:solidFill>
-          <a:ln w="9525" cap="flat" cmpd="sng">
-            <a:solidFill>
-              <a:schemeClr val="dk2"/>
-            </a:solidFill>
-            <a:prstDash val="solid"/>
-            <a:round/>
-            <a:headEnd type="none" w="sm" len="sm"/>
-            <a:tailEnd type="none" w="sm" len="sm"/>
-          </a:ln>
-        </p:spPr>
-        <p:txBody>
-          <a:bodyPr spcFirstLastPara="1" wrap="square" lIns="91425" tIns="91425" rIns="91425" bIns="91425" anchor="ctr" anchorCtr="0">
-            <a:noAutofit/>
-          </a:bodyPr>
-          <a:lstStyle/>
-          <a:p>
-            <a:pPr marL="0" lvl="0" indent="0" algn="l" rtl="0">
-              <a:spcBef>
-                <a:spcPts val="0"/>
-              </a:spcBef>
-              <a:spcAft>
-                <a:spcPts val="0"/>
-              </a:spcAft>
-              <a:buNone/>
-            </a:pPr>
-            <a:endParaRPr/>
-          </a:p>
-        </p:txBody>
-      </p:sp>
-      <p:sp>
-        <p:nvSpPr>
-          <p:cNvPr id="86" name="Google Shape;86;p15"/>
-          <p:cNvSpPr/>
-          <p:nvPr/>
-        </p:nvSpPr>
-        <p:spPr>
-          <a:xfrm rot="10800000">
-            <a:off x="4682525" y="3771300"/>
-            <a:ext cx="4153200" cy="572700"/>
-          </a:xfrm>
-          <a:prstGeom prst="homePlate">
-            <a:avLst>
-              <a:gd name="adj" fmla="val 50000"/>
-            </a:avLst>
-          </a:prstGeom>
-          <a:solidFill>
-            <a:schemeClr val="accent1"/>
-          </a:solidFill>
-          <a:ln w="9525" cap="flat" cmpd="sng">
-            <a:solidFill>
-              <a:schemeClr val="dk2"/>
-            </a:solidFill>
-            <a:prstDash val="solid"/>
-            <a:round/>
-            <a:headEnd type="none" w="sm" len="sm"/>
-            <a:tailEnd type="none" w="sm" len="sm"/>
-          </a:ln>
-        </p:spPr>
-        <p:txBody>
-          <a:bodyPr spcFirstLastPara="1" wrap="square" lIns="91425" tIns="91425" rIns="91425" bIns="91425" anchor="ctr" anchorCtr="0">
-            <a:noAutofit/>
-          </a:bodyPr>
-          <a:lstStyle/>
-          <a:p>
-            <a:pPr marL="0" lvl="0" indent="0" algn="l" rtl="0">
-              <a:spcBef>
-                <a:spcPts val="0"/>
-              </a:spcBef>
-              <a:spcAft>
-                <a:spcPts val="0"/>
-              </a:spcAft>
-              <a:buNone/>
-            </a:pPr>
-            <a:endParaRPr/>
-          </a:p>
-        </p:txBody>
-      </p:sp>
-      <p:sp>
-        <p:nvSpPr>
           <p:cNvPr id="87" name="Google Shape;87;p15"/>
           <p:cNvSpPr txBox="1">
             <a:spLocks noGrp="1"/>
@@ -11974,7 +11886,7 @@
                   <a:schemeClr val="dk1"/>
                 </a:solidFill>
               </a:rPr>
-              <a:t>THEN  my credentials are verified and if approved, I am redirected to the home page but with Dashboard, Adoption Form and Donations tab available</a:t>
+              <a:t>THEN  my credentials are verified and if approved, I am redirected to the home page but with an Adoption Form and Donations tab available</a:t>
             </a:r>
             <a:endParaRPr sz="4800" dirty="0">
               <a:solidFill>
@@ -12028,356 +11940,6 @@
               <a:buNone/>
             </a:pPr>
             <a:endParaRPr sz="4000" dirty="0">
-              <a:solidFill>
-                <a:schemeClr val="dk1"/>
-              </a:solidFill>
-            </a:endParaRPr>
-          </a:p>
-          <a:p>
-            <a:pPr marL="0" lvl="0" indent="0" algn="l" rtl="0">
-              <a:spcBef>
-                <a:spcPts val="1200"/>
-              </a:spcBef>
-              <a:spcAft>
-                <a:spcPts val="0"/>
-              </a:spcAft>
-              <a:buNone/>
-            </a:pPr>
-            <a:endParaRPr sz="4000" dirty="0">
-              <a:solidFill>
-                <a:schemeClr val="dk1"/>
-              </a:solidFill>
-            </a:endParaRPr>
-          </a:p>
-          <a:p>
-            <a:pPr marL="0" lvl="0" indent="0" algn="l" rtl="0">
-              <a:spcBef>
-                <a:spcPts val="1200"/>
-              </a:spcBef>
-              <a:spcAft>
-                <a:spcPts val="1200"/>
-              </a:spcAft>
-              <a:buNone/>
-            </a:pPr>
-            <a:endParaRPr sz="4000" dirty="0"/>
-          </a:p>
-        </p:txBody>
-      </p:sp>
-      <p:sp>
-        <p:nvSpPr>
-          <p:cNvPr id="89" name="Google Shape;89;p15"/>
-          <p:cNvSpPr/>
-          <p:nvPr/>
-        </p:nvSpPr>
-        <p:spPr>
-          <a:xfrm>
-            <a:off x="332525" y="4390613"/>
-            <a:ext cx="3997500" cy="572700"/>
-          </a:xfrm>
-          <a:prstGeom prst="homePlate">
-            <a:avLst>
-              <a:gd name="adj" fmla="val 50000"/>
-            </a:avLst>
-          </a:prstGeom>
-          <a:solidFill>
-            <a:srgbClr val="CCCCCC"/>
-          </a:solidFill>
-          <a:ln w="9525" cap="flat" cmpd="sng">
-            <a:solidFill>
-              <a:schemeClr val="dk2"/>
-            </a:solidFill>
-            <a:prstDash val="solid"/>
-            <a:round/>
-            <a:headEnd type="none" w="sm" len="sm"/>
-            <a:tailEnd type="none" w="sm" len="sm"/>
-          </a:ln>
-        </p:spPr>
-        <p:txBody>
-          <a:bodyPr spcFirstLastPara="1" wrap="square" lIns="91425" tIns="91425" rIns="91425" bIns="91425" anchor="ctr" anchorCtr="0">
-            <a:noAutofit/>
-          </a:bodyPr>
-          <a:lstStyle/>
-          <a:p>
-            <a:pPr marL="0" lvl="0" indent="0" algn="l" rtl="0">
-              <a:spcBef>
-                <a:spcPts val="0"/>
-              </a:spcBef>
-              <a:spcAft>
-                <a:spcPts val="0"/>
-              </a:spcAft>
-              <a:buNone/>
-            </a:pPr>
-            <a:endParaRPr/>
-          </a:p>
-        </p:txBody>
-      </p:sp>
-      <p:sp>
-        <p:nvSpPr>
-          <p:cNvPr id="90" name="Google Shape;90;p15"/>
-          <p:cNvSpPr txBox="1">
-            <a:spLocks noGrp="1"/>
-          </p:cNvSpPr>
-          <p:nvPr>
-            <p:ph type="body" idx="1"/>
-          </p:nvPr>
-        </p:nvSpPr>
-        <p:spPr>
-          <a:xfrm>
-            <a:off x="332525" y="3873160"/>
-            <a:ext cx="4154400" cy="402300"/>
-          </a:xfrm>
-          <a:prstGeom prst="rect">
-            <a:avLst/>
-          </a:prstGeom>
-        </p:spPr>
-        <p:txBody>
-          <a:bodyPr spcFirstLastPara="1" wrap="square" lIns="91425" tIns="91425" rIns="91425" bIns="91425" anchor="t" anchorCtr="0">
-            <a:normAutofit/>
-          </a:bodyPr>
-          <a:lstStyle/>
-          <a:p>
-            <a:pPr marL="0" lvl="0" indent="0" algn="l" rtl="0">
-              <a:lnSpc>
-                <a:spcPct val="100000"/>
-              </a:lnSpc>
-              <a:spcBef>
-                <a:spcPts val="0"/>
-              </a:spcBef>
-              <a:spcAft>
-                <a:spcPts val="0"/>
-              </a:spcAft>
-              <a:buNone/>
-            </a:pPr>
-            <a:r>
-              <a:rPr lang="en-CA" sz="1200" dirty="0">
-                <a:solidFill>
-                  <a:schemeClr val="dk1"/>
-                </a:solidFill>
-              </a:rPr>
-              <a:t>When I search for pets on the home page once more</a:t>
-            </a:r>
-            <a:endParaRPr sz="1200" dirty="0">
-              <a:solidFill>
-                <a:srgbClr val="000000"/>
-              </a:solidFill>
-            </a:endParaRPr>
-          </a:p>
-          <a:p>
-            <a:pPr marL="0" lvl="0" indent="0" algn="l" rtl="0">
-              <a:lnSpc>
-                <a:spcPct val="100000"/>
-              </a:lnSpc>
-              <a:spcBef>
-                <a:spcPts val="0"/>
-              </a:spcBef>
-              <a:spcAft>
-                <a:spcPts val="0"/>
-              </a:spcAft>
-              <a:buNone/>
-            </a:pPr>
-            <a:endParaRPr sz="4600" dirty="0">
-              <a:solidFill>
-                <a:schemeClr val="dk1"/>
-              </a:solidFill>
-            </a:endParaRPr>
-          </a:p>
-          <a:p>
-            <a:pPr marL="0" lvl="0" indent="0" algn="l" rtl="0">
-              <a:spcBef>
-                <a:spcPts val="0"/>
-              </a:spcBef>
-              <a:spcAft>
-                <a:spcPts val="0"/>
-              </a:spcAft>
-              <a:buNone/>
-            </a:pPr>
-            <a:endParaRPr sz="4000" dirty="0">
-              <a:solidFill>
-                <a:schemeClr val="dk1"/>
-              </a:solidFill>
-            </a:endParaRPr>
-          </a:p>
-          <a:p>
-            <a:pPr marL="0" lvl="0" indent="0" algn="l" rtl="0">
-              <a:spcBef>
-                <a:spcPts val="1200"/>
-              </a:spcBef>
-              <a:spcAft>
-                <a:spcPts val="0"/>
-              </a:spcAft>
-              <a:buNone/>
-            </a:pPr>
-            <a:endParaRPr sz="4000" dirty="0">
-              <a:solidFill>
-                <a:schemeClr val="dk1"/>
-              </a:solidFill>
-            </a:endParaRPr>
-          </a:p>
-          <a:p>
-            <a:pPr marL="0" lvl="0" indent="0" algn="l" rtl="0">
-              <a:spcBef>
-                <a:spcPts val="1200"/>
-              </a:spcBef>
-              <a:spcAft>
-                <a:spcPts val="0"/>
-              </a:spcAft>
-              <a:buNone/>
-            </a:pPr>
-            <a:endParaRPr sz="4000" dirty="0">
-              <a:solidFill>
-                <a:schemeClr val="dk1"/>
-              </a:solidFill>
-            </a:endParaRPr>
-          </a:p>
-          <a:p>
-            <a:pPr marL="0" lvl="0" indent="0" algn="l" rtl="0">
-              <a:spcBef>
-                <a:spcPts val="1200"/>
-              </a:spcBef>
-              <a:spcAft>
-                <a:spcPts val="1200"/>
-              </a:spcAft>
-              <a:buNone/>
-            </a:pPr>
-            <a:endParaRPr sz="4000" dirty="0"/>
-          </a:p>
-        </p:txBody>
-      </p:sp>
-      <p:sp>
-        <p:nvSpPr>
-          <p:cNvPr id="91" name="Google Shape;91;p15"/>
-          <p:cNvSpPr/>
-          <p:nvPr/>
-        </p:nvSpPr>
-        <p:spPr>
-          <a:xfrm rot="10800000">
-            <a:off x="4682525" y="4390613"/>
-            <a:ext cx="4153200" cy="572700"/>
-          </a:xfrm>
-          <a:prstGeom prst="homePlate">
-            <a:avLst>
-              <a:gd name="adj" fmla="val 50000"/>
-            </a:avLst>
-          </a:prstGeom>
-          <a:solidFill>
-            <a:schemeClr val="accent1"/>
-          </a:solidFill>
-          <a:ln w="9525" cap="flat" cmpd="sng">
-            <a:solidFill>
-              <a:schemeClr val="dk2"/>
-            </a:solidFill>
-            <a:prstDash val="solid"/>
-            <a:round/>
-            <a:headEnd type="none" w="sm" len="sm"/>
-            <a:tailEnd type="none" w="sm" len="sm"/>
-          </a:ln>
-        </p:spPr>
-        <p:txBody>
-          <a:bodyPr spcFirstLastPara="1" wrap="square" lIns="91425" tIns="91425" rIns="91425" bIns="91425" anchor="ctr" anchorCtr="0">
-            <a:noAutofit/>
-          </a:bodyPr>
-          <a:lstStyle/>
-          <a:p>
-            <a:pPr marL="0" lvl="0" indent="0" algn="l" rtl="0">
-              <a:spcBef>
-                <a:spcPts val="0"/>
-              </a:spcBef>
-              <a:spcAft>
-                <a:spcPts val="0"/>
-              </a:spcAft>
-              <a:buNone/>
-            </a:pPr>
-            <a:endParaRPr/>
-          </a:p>
-        </p:txBody>
-      </p:sp>
-      <p:sp>
-        <p:nvSpPr>
-          <p:cNvPr id="92" name="Google Shape;92;p15"/>
-          <p:cNvSpPr txBox="1">
-            <a:spLocks noGrp="1"/>
-          </p:cNvSpPr>
-          <p:nvPr>
-            <p:ph type="body" idx="1"/>
-          </p:nvPr>
-        </p:nvSpPr>
-        <p:spPr>
-          <a:xfrm>
-            <a:off x="4857042" y="3761885"/>
-            <a:ext cx="3997500" cy="452400"/>
-          </a:xfrm>
-          <a:prstGeom prst="rect">
-            <a:avLst/>
-          </a:prstGeom>
-        </p:spPr>
-        <p:txBody>
-          <a:bodyPr spcFirstLastPara="1" wrap="square" lIns="91425" tIns="91425" rIns="91425" bIns="91425" anchor="t" anchorCtr="0">
-            <a:normAutofit fontScale="25000" lnSpcReduction="20000"/>
-          </a:bodyPr>
-          <a:lstStyle/>
-          <a:p>
-            <a:pPr marL="0" lvl="0" indent="0" algn="r" rtl="0">
-              <a:lnSpc>
-                <a:spcPct val="100000"/>
-              </a:lnSpc>
-              <a:spcBef>
-                <a:spcPts val="0"/>
-              </a:spcBef>
-              <a:spcAft>
-                <a:spcPts val="0"/>
-              </a:spcAft>
-              <a:buNone/>
-            </a:pPr>
-            <a:r>
-              <a:rPr lang="fr" sz="4800" dirty="0">
-                <a:solidFill>
-                  <a:schemeClr val="dk1"/>
-                </a:solidFill>
-              </a:rPr>
-              <a:t>THEN </a:t>
-            </a:r>
-            <a:r>
-              <a:rPr lang="en-US" sz="4800" dirty="0">
-                <a:solidFill>
-                  <a:schemeClr val="dk1"/>
-                </a:solidFill>
-              </a:rPr>
-              <a:t> I can save adoptable pets to my dashboard so that I may review them again later, and compare prospective pets</a:t>
-            </a:r>
-          </a:p>
-          <a:p>
-            <a:pPr marL="0" lvl="0" indent="0" algn="l" rtl="0">
-              <a:lnSpc>
-                <a:spcPct val="100000"/>
-              </a:lnSpc>
-              <a:spcBef>
-                <a:spcPts val="0"/>
-              </a:spcBef>
-              <a:spcAft>
-                <a:spcPts val="0"/>
-              </a:spcAft>
-              <a:buNone/>
-            </a:pPr>
-            <a:endParaRPr lang="en-US" sz="9600" dirty="0">
-              <a:solidFill>
-                <a:schemeClr val="dk1"/>
-              </a:solidFill>
-            </a:endParaRPr>
-          </a:p>
-          <a:p>
-            <a:pPr marL="0" lvl="0" indent="0" algn="l" rtl="0">
-              <a:lnSpc>
-                <a:spcPct val="100000"/>
-              </a:lnSpc>
-              <a:spcBef>
-                <a:spcPts val="0"/>
-              </a:spcBef>
-              <a:spcAft>
-                <a:spcPts val="0"/>
-              </a:spcAft>
-              <a:buNone/>
-            </a:pPr>
-            <a:endParaRPr lang="en-US" sz="9600" dirty="0">
               <a:solidFill>
                 <a:schemeClr val="dk1"/>
               </a:solidFill>
@@ -12448,327 +12010,6 @@
               <a:t>3</a:t>
             </a:fld>
             <a:endParaRPr lang="fr"/>
-          </a:p>
-        </p:txBody>
-      </p:sp>
-      <p:sp>
-        <p:nvSpPr>
-          <p:cNvPr id="80" name="Google Shape;80;p15"/>
-          <p:cNvSpPr txBox="1">
-            <a:spLocks noGrp="1"/>
-          </p:cNvSpPr>
-          <p:nvPr>
-            <p:ph type="body" idx="1"/>
-          </p:nvPr>
-        </p:nvSpPr>
-        <p:spPr>
-          <a:xfrm>
-            <a:off x="4858775" y="4462067"/>
-            <a:ext cx="3997500" cy="402300"/>
-          </a:xfrm>
-          <a:prstGeom prst="rect">
-            <a:avLst/>
-          </a:prstGeom>
-        </p:spPr>
-        <p:txBody>
-          <a:bodyPr spcFirstLastPara="1" wrap="square" lIns="91425" tIns="91425" rIns="91425" bIns="91425" anchor="t" anchorCtr="0">
-            <a:normAutofit fontScale="25000" lnSpcReduction="20000"/>
-          </a:bodyPr>
-          <a:lstStyle/>
-          <a:p>
-            <a:pPr marL="0" lvl="0" indent="0" algn="r" rtl="0">
-              <a:lnSpc>
-                <a:spcPct val="100000"/>
-              </a:lnSpc>
-              <a:spcBef>
-                <a:spcPts val="0"/>
-              </a:spcBef>
-              <a:spcAft>
-                <a:spcPts val="0"/>
-              </a:spcAft>
-              <a:buNone/>
-            </a:pPr>
-            <a:r>
-              <a:rPr lang="fr" sz="4600" dirty="0">
-                <a:solidFill>
-                  <a:schemeClr val="dk1"/>
-                </a:solidFill>
-              </a:rPr>
-              <a:t>THEN I am presented with all the pets I have saved</a:t>
-            </a:r>
-            <a:endParaRPr sz="4000" dirty="0">
-              <a:solidFill>
-                <a:schemeClr val="dk1"/>
-              </a:solidFill>
-            </a:endParaRPr>
-          </a:p>
-          <a:p>
-            <a:pPr marL="0" lvl="0" indent="0" algn="l" rtl="0">
-              <a:spcBef>
-                <a:spcPts val="0"/>
-              </a:spcBef>
-              <a:spcAft>
-                <a:spcPts val="0"/>
-              </a:spcAft>
-              <a:buNone/>
-            </a:pPr>
-            <a:endParaRPr sz="4000" dirty="0">
-              <a:solidFill>
-                <a:schemeClr val="dk1"/>
-              </a:solidFill>
-            </a:endParaRPr>
-          </a:p>
-          <a:p>
-            <a:pPr marL="0" lvl="0" indent="0" algn="l" rtl="0">
-              <a:spcBef>
-                <a:spcPts val="1200"/>
-              </a:spcBef>
-              <a:spcAft>
-                <a:spcPts val="0"/>
-              </a:spcAft>
-              <a:buNone/>
-            </a:pPr>
-            <a:endParaRPr sz="4000" dirty="0">
-              <a:solidFill>
-                <a:schemeClr val="dk1"/>
-              </a:solidFill>
-            </a:endParaRPr>
-          </a:p>
-          <a:p>
-            <a:pPr marL="0" lvl="0" indent="0" algn="l" rtl="0">
-              <a:spcBef>
-                <a:spcPts val="1200"/>
-              </a:spcBef>
-              <a:spcAft>
-                <a:spcPts val="0"/>
-              </a:spcAft>
-              <a:buNone/>
-            </a:pPr>
-            <a:endParaRPr sz="4000" dirty="0">
-              <a:solidFill>
-                <a:schemeClr val="dk1"/>
-              </a:solidFill>
-            </a:endParaRPr>
-          </a:p>
-          <a:p>
-            <a:pPr marL="0" lvl="0" indent="0" algn="l" rtl="0">
-              <a:spcBef>
-                <a:spcPts val="1200"/>
-              </a:spcBef>
-              <a:spcAft>
-                <a:spcPts val="1200"/>
-              </a:spcAft>
-              <a:buNone/>
-            </a:pPr>
-            <a:endParaRPr sz="4000" dirty="0"/>
-          </a:p>
-        </p:txBody>
-      </p:sp>
-      <p:sp>
-        <p:nvSpPr>
-          <p:cNvPr id="84" name="Google Shape;84;p15"/>
-          <p:cNvSpPr txBox="1">
-            <a:spLocks noGrp="1"/>
-          </p:cNvSpPr>
-          <p:nvPr>
-            <p:ph type="body" idx="1"/>
-          </p:nvPr>
-        </p:nvSpPr>
-        <p:spPr>
-          <a:xfrm>
-            <a:off x="351875" y="4509370"/>
-            <a:ext cx="4154400" cy="402300"/>
-          </a:xfrm>
-          <a:prstGeom prst="rect">
-            <a:avLst/>
-          </a:prstGeom>
-        </p:spPr>
-        <p:txBody>
-          <a:bodyPr spcFirstLastPara="1" wrap="square" lIns="91425" tIns="91425" rIns="91425" bIns="91425" anchor="t" anchorCtr="0">
-            <a:normAutofit/>
-          </a:bodyPr>
-          <a:lstStyle/>
-          <a:p>
-            <a:pPr marL="0" lvl="0" indent="0" algn="l" rtl="0">
-              <a:lnSpc>
-                <a:spcPct val="100000"/>
-              </a:lnSpc>
-              <a:spcBef>
-                <a:spcPts val="0"/>
-              </a:spcBef>
-              <a:spcAft>
-                <a:spcPts val="0"/>
-              </a:spcAft>
-              <a:buNone/>
-            </a:pPr>
-            <a:r>
-              <a:rPr lang="en-CA" sz="1200" dirty="0">
-                <a:solidFill>
-                  <a:schemeClr val="dk1"/>
-                </a:solidFill>
-              </a:rPr>
-              <a:t>WHEN I click on the Dashboard tab</a:t>
-            </a:r>
-            <a:endParaRPr sz="1200" dirty="0">
-              <a:solidFill>
-                <a:schemeClr val="dk1"/>
-              </a:solidFill>
-            </a:endParaRPr>
-          </a:p>
-          <a:p>
-            <a:pPr marL="0" lvl="0" indent="0" algn="l" rtl="0">
-              <a:lnSpc>
-                <a:spcPct val="100000"/>
-              </a:lnSpc>
-              <a:spcBef>
-                <a:spcPts val="0"/>
-              </a:spcBef>
-              <a:spcAft>
-                <a:spcPts val="0"/>
-              </a:spcAft>
-              <a:buNone/>
-            </a:pPr>
-            <a:endParaRPr sz="4000" dirty="0">
-              <a:solidFill>
-                <a:schemeClr val="dk1"/>
-              </a:solidFill>
-            </a:endParaRPr>
-          </a:p>
-          <a:p>
-            <a:pPr marL="0" lvl="0" indent="0" algn="l" rtl="0">
-              <a:lnSpc>
-                <a:spcPct val="100000"/>
-              </a:lnSpc>
-              <a:spcBef>
-                <a:spcPts val="0"/>
-              </a:spcBef>
-              <a:spcAft>
-                <a:spcPts val="0"/>
-              </a:spcAft>
-              <a:buNone/>
-            </a:pPr>
-            <a:endParaRPr sz="4000" dirty="0">
-              <a:solidFill>
-                <a:schemeClr val="dk1"/>
-              </a:solidFill>
-            </a:endParaRPr>
-          </a:p>
-          <a:p>
-            <a:pPr marL="0" lvl="0" indent="0" algn="l" rtl="0">
-              <a:lnSpc>
-                <a:spcPct val="100000"/>
-              </a:lnSpc>
-              <a:spcBef>
-                <a:spcPts val="0"/>
-              </a:spcBef>
-              <a:spcAft>
-                <a:spcPts val="0"/>
-              </a:spcAft>
-              <a:buNone/>
-            </a:pPr>
-            <a:endParaRPr sz="4000" dirty="0">
-              <a:solidFill>
-                <a:schemeClr val="dk1"/>
-              </a:solidFill>
-            </a:endParaRPr>
-          </a:p>
-          <a:p>
-            <a:pPr marL="0" lvl="0" indent="0" algn="l" rtl="0">
-              <a:lnSpc>
-                <a:spcPct val="100000"/>
-              </a:lnSpc>
-              <a:spcBef>
-                <a:spcPts val="0"/>
-              </a:spcBef>
-              <a:spcAft>
-                <a:spcPts val="0"/>
-              </a:spcAft>
-              <a:buNone/>
-            </a:pPr>
-            <a:endParaRPr sz="4000" dirty="0">
-              <a:solidFill>
-                <a:srgbClr val="000000"/>
-              </a:solidFill>
-            </a:endParaRPr>
-          </a:p>
-          <a:p>
-            <a:pPr marL="0" lvl="0" indent="0" algn="l" rtl="0">
-              <a:lnSpc>
-                <a:spcPct val="100000"/>
-              </a:lnSpc>
-              <a:spcBef>
-                <a:spcPts val="0"/>
-              </a:spcBef>
-              <a:spcAft>
-                <a:spcPts val="0"/>
-              </a:spcAft>
-              <a:buNone/>
-            </a:pPr>
-            <a:endParaRPr sz="4600" dirty="0">
-              <a:solidFill>
-                <a:schemeClr val="dk1"/>
-              </a:solidFill>
-            </a:endParaRPr>
-          </a:p>
-          <a:p>
-            <a:pPr marL="0" lvl="0" indent="0" algn="l" rtl="0">
-              <a:spcBef>
-                <a:spcPts val="0"/>
-              </a:spcBef>
-              <a:spcAft>
-                <a:spcPts val="0"/>
-              </a:spcAft>
-              <a:buNone/>
-            </a:pPr>
-            <a:endParaRPr sz="4000" dirty="0">
-              <a:solidFill>
-                <a:schemeClr val="dk1"/>
-              </a:solidFill>
-            </a:endParaRPr>
-          </a:p>
-          <a:p>
-            <a:pPr marL="0" lvl="0" indent="0" algn="l" rtl="0">
-              <a:spcBef>
-                <a:spcPts val="1200"/>
-              </a:spcBef>
-              <a:spcAft>
-                <a:spcPts val="0"/>
-              </a:spcAft>
-              <a:buNone/>
-            </a:pPr>
-            <a:endParaRPr sz="4000" dirty="0">
-              <a:solidFill>
-                <a:schemeClr val="dk1"/>
-              </a:solidFill>
-            </a:endParaRPr>
-          </a:p>
-          <a:p>
-            <a:pPr marL="0" lvl="0" indent="0" algn="l" rtl="0">
-              <a:spcBef>
-                <a:spcPts val="1200"/>
-              </a:spcBef>
-              <a:spcAft>
-                <a:spcPts val="0"/>
-              </a:spcAft>
-              <a:buNone/>
-            </a:pPr>
-            <a:endParaRPr sz="4000" dirty="0">
-              <a:solidFill>
-                <a:schemeClr val="dk1"/>
-              </a:solidFill>
-            </a:endParaRPr>
-          </a:p>
-          <a:p>
-            <a:pPr marL="0" lvl="0" indent="0" algn="l" rtl="0">
-              <a:spcBef>
-                <a:spcPts val="1200"/>
-              </a:spcBef>
-              <a:spcAft>
-                <a:spcPts val="1200"/>
-              </a:spcAft>
-              <a:buNone/>
-            </a:pPr>
-            <a:endParaRPr sz="4000" dirty="0"/>
           </a:p>
         </p:txBody>
       </p:sp>
@@ -12802,6 +12043,840 @@
           </a:prstGeom>
         </p:spPr>
       </p:pic>
+      <p:sp>
+        <p:nvSpPr>
+          <p:cNvPr id="37" name="Google Shape;73;p15">
+            <a:extLst>
+              <a:ext uri="{FF2B5EF4-FFF2-40B4-BE49-F238E27FC236}">
+                <a16:creationId xmlns:a16="http://schemas.microsoft.com/office/drawing/2014/main" id="{D2490212-6E2A-4CFA-87A0-26BEDBC31925}"/>
+              </a:ext>
+            </a:extLst>
+          </p:cNvPr>
+          <p:cNvSpPr/>
+          <p:nvPr/>
+        </p:nvSpPr>
+        <p:spPr>
+          <a:xfrm>
+            <a:off x="308275" y="3785770"/>
+            <a:ext cx="3997500" cy="572700"/>
+          </a:xfrm>
+          <a:prstGeom prst="homePlate">
+            <a:avLst>
+              <a:gd name="adj" fmla="val 50000"/>
+            </a:avLst>
+          </a:prstGeom>
+          <a:solidFill>
+            <a:srgbClr val="CCCCCC"/>
+          </a:solidFill>
+          <a:ln w="9525" cap="flat" cmpd="sng">
+            <a:solidFill>
+              <a:schemeClr val="dk2"/>
+            </a:solidFill>
+            <a:prstDash val="solid"/>
+            <a:round/>
+            <a:headEnd type="none" w="sm" len="sm"/>
+            <a:tailEnd type="none" w="sm" len="sm"/>
+          </a:ln>
+        </p:spPr>
+        <p:txBody>
+          <a:bodyPr spcFirstLastPara="1" wrap="square" lIns="91425" tIns="91425" rIns="91425" bIns="91425" anchor="ctr" anchorCtr="0">
+            <a:noAutofit/>
+          </a:bodyPr>
+          <a:lstStyle/>
+          <a:p>
+            <a:pPr marL="0" lvl="0" indent="0" algn="l" rtl="0">
+              <a:spcBef>
+                <a:spcPts val="0"/>
+              </a:spcBef>
+              <a:spcAft>
+                <a:spcPts val="0"/>
+              </a:spcAft>
+              <a:buNone/>
+            </a:pPr>
+            <a:endParaRPr/>
+          </a:p>
+        </p:txBody>
+      </p:sp>
+      <p:sp>
+        <p:nvSpPr>
+          <p:cNvPr id="38" name="Google Shape;74;p15">
+            <a:extLst>
+              <a:ext uri="{FF2B5EF4-FFF2-40B4-BE49-F238E27FC236}">
+                <a16:creationId xmlns:a16="http://schemas.microsoft.com/office/drawing/2014/main" id="{65B6EF81-BD31-48F4-A72E-E1E627A83BC6}"/>
+              </a:ext>
+            </a:extLst>
+          </p:cNvPr>
+          <p:cNvSpPr txBox="1">
+            <a:spLocks/>
+          </p:cNvSpPr>
+          <p:nvPr/>
+        </p:nvSpPr>
+        <p:spPr>
+          <a:xfrm>
+            <a:off x="308275" y="3899766"/>
+            <a:ext cx="4154400" cy="402300"/>
+          </a:xfrm>
+          <a:prstGeom prst="rect">
+            <a:avLst/>
+          </a:prstGeom>
+          <a:noFill/>
+          <a:ln>
+            <a:noFill/>
+          </a:ln>
+        </p:spPr>
+        <p:txBody>
+          <a:bodyPr spcFirstLastPara="1" wrap="square" lIns="91425" tIns="91425" rIns="91425" bIns="91425" anchor="t" anchorCtr="0">
+            <a:normAutofit/>
+          </a:bodyPr>
+          <a:lstStyle>
+            <a:defPPr marR="0" lvl="0" algn="l" rtl="0">
+              <a:lnSpc>
+                <a:spcPct val="100000"/>
+              </a:lnSpc>
+              <a:spcBef>
+                <a:spcPts val="0"/>
+              </a:spcBef>
+              <a:spcAft>
+                <a:spcPts val="0"/>
+              </a:spcAft>
+            </a:defPPr>
+            <a:lvl1pPr marL="457200" marR="0" lvl="0" indent="-342900" algn="l" rtl="0">
+              <a:lnSpc>
+                <a:spcPct val="115000"/>
+              </a:lnSpc>
+              <a:spcBef>
+                <a:spcPts val="0"/>
+              </a:spcBef>
+              <a:spcAft>
+                <a:spcPts val="0"/>
+              </a:spcAft>
+              <a:buClr>
+                <a:schemeClr val="lt2"/>
+              </a:buClr>
+              <a:buSzPts val="1800"/>
+              <a:buFont typeface="Arial"/>
+              <a:buChar char="●"/>
+              <a:defRPr sz="1800" b="0" i="0" u="none" strike="noStrike" cap="none">
+                <a:solidFill>
+                  <a:schemeClr val="lt2"/>
+                </a:solidFill>
+                <a:latin typeface="Arial"/>
+                <a:ea typeface="Arial"/>
+                <a:cs typeface="Arial"/>
+                <a:sym typeface="Arial"/>
+              </a:defRPr>
+            </a:lvl1pPr>
+            <a:lvl2pPr marL="914400" marR="0" lvl="1" indent="-317500" algn="l" rtl="0">
+              <a:lnSpc>
+                <a:spcPct val="115000"/>
+              </a:lnSpc>
+              <a:spcBef>
+                <a:spcPts val="0"/>
+              </a:spcBef>
+              <a:spcAft>
+                <a:spcPts val="0"/>
+              </a:spcAft>
+              <a:buClr>
+                <a:schemeClr val="lt2"/>
+              </a:buClr>
+              <a:buSzPts val="1400"/>
+              <a:buFont typeface="Arial"/>
+              <a:buChar char="○"/>
+              <a:defRPr sz="1400" b="0" i="0" u="none" strike="noStrike" cap="none">
+                <a:solidFill>
+                  <a:schemeClr val="lt2"/>
+                </a:solidFill>
+                <a:latin typeface="Arial"/>
+                <a:ea typeface="Arial"/>
+                <a:cs typeface="Arial"/>
+                <a:sym typeface="Arial"/>
+              </a:defRPr>
+            </a:lvl2pPr>
+            <a:lvl3pPr marL="1371600" marR="0" lvl="2" indent="-317500" algn="l" rtl="0">
+              <a:lnSpc>
+                <a:spcPct val="115000"/>
+              </a:lnSpc>
+              <a:spcBef>
+                <a:spcPts val="0"/>
+              </a:spcBef>
+              <a:spcAft>
+                <a:spcPts val="0"/>
+              </a:spcAft>
+              <a:buClr>
+                <a:schemeClr val="lt2"/>
+              </a:buClr>
+              <a:buSzPts val="1400"/>
+              <a:buFont typeface="Arial"/>
+              <a:buChar char="■"/>
+              <a:defRPr sz="1400" b="0" i="0" u="none" strike="noStrike" cap="none">
+                <a:solidFill>
+                  <a:schemeClr val="lt2"/>
+                </a:solidFill>
+                <a:latin typeface="Arial"/>
+                <a:ea typeface="Arial"/>
+                <a:cs typeface="Arial"/>
+                <a:sym typeface="Arial"/>
+              </a:defRPr>
+            </a:lvl3pPr>
+            <a:lvl4pPr marL="1828800" marR="0" lvl="3" indent="-317500" algn="l" rtl="0">
+              <a:lnSpc>
+                <a:spcPct val="115000"/>
+              </a:lnSpc>
+              <a:spcBef>
+                <a:spcPts val="0"/>
+              </a:spcBef>
+              <a:spcAft>
+                <a:spcPts val="0"/>
+              </a:spcAft>
+              <a:buClr>
+                <a:schemeClr val="lt2"/>
+              </a:buClr>
+              <a:buSzPts val="1400"/>
+              <a:buFont typeface="Arial"/>
+              <a:buChar char="●"/>
+              <a:defRPr sz="1400" b="0" i="0" u="none" strike="noStrike" cap="none">
+                <a:solidFill>
+                  <a:schemeClr val="lt2"/>
+                </a:solidFill>
+                <a:latin typeface="Arial"/>
+                <a:ea typeface="Arial"/>
+                <a:cs typeface="Arial"/>
+                <a:sym typeface="Arial"/>
+              </a:defRPr>
+            </a:lvl4pPr>
+            <a:lvl5pPr marL="2286000" marR="0" lvl="4" indent="-317500" algn="l" rtl="0">
+              <a:lnSpc>
+                <a:spcPct val="115000"/>
+              </a:lnSpc>
+              <a:spcBef>
+                <a:spcPts val="0"/>
+              </a:spcBef>
+              <a:spcAft>
+                <a:spcPts val="0"/>
+              </a:spcAft>
+              <a:buClr>
+                <a:schemeClr val="lt2"/>
+              </a:buClr>
+              <a:buSzPts val="1400"/>
+              <a:buFont typeface="Arial"/>
+              <a:buChar char="○"/>
+              <a:defRPr sz="1400" b="0" i="0" u="none" strike="noStrike" cap="none">
+                <a:solidFill>
+                  <a:schemeClr val="lt2"/>
+                </a:solidFill>
+                <a:latin typeface="Arial"/>
+                <a:ea typeface="Arial"/>
+                <a:cs typeface="Arial"/>
+                <a:sym typeface="Arial"/>
+              </a:defRPr>
+            </a:lvl5pPr>
+            <a:lvl6pPr marL="2743200" marR="0" lvl="5" indent="-317500" algn="l" rtl="0">
+              <a:lnSpc>
+                <a:spcPct val="115000"/>
+              </a:lnSpc>
+              <a:spcBef>
+                <a:spcPts val="0"/>
+              </a:spcBef>
+              <a:spcAft>
+                <a:spcPts val="0"/>
+              </a:spcAft>
+              <a:buClr>
+                <a:schemeClr val="lt2"/>
+              </a:buClr>
+              <a:buSzPts val="1400"/>
+              <a:buFont typeface="Arial"/>
+              <a:buChar char="■"/>
+              <a:defRPr sz="1400" b="0" i="0" u="none" strike="noStrike" cap="none">
+                <a:solidFill>
+                  <a:schemeClr val="lt2"/>
+                </a:solidFill>
+                <a:latin typeface="Arial"/>
+                <a:ea typeface="Arial"/>
+                <a:cs typeface="Arial"/>
+                <a:sym typeface="Arial"/>
+              </a:defRPr>
+            </a:lvl6pPr>
+            <a:lvl7pPr marL="3200400" marR="0" lvl="6" indent="-317500" algn="l" rtl="0">
+              <a:lnSpc>
+                <a:spcPct val="115000"/>
+              </a:lnSpc>
+              <a:spcBef>
+                <a:spcPts val="0"/>
+              </a:spcBef>
+              <a:spcAft>
+                <a:spcPts val="0"/>
+              </a:spcAft>
+              <a:buClr>
+                <a:schemeClr val="lt2"/>
+              </a:buClr>
+              <a:buSzPts val="1400"/>
+              <a:buFont typeface="Arial"/>
+              <a:buChar char="●"/>
+              <a:defRPr sz="1400" b="0" i="0" u="none" strike="noStrike" cap="none">
+                <a:solidFill>
+                  <a:schemeClr val="lt2"/>
+                </a:solidFill>
+                <a:latin typeface="Arial"/>
+                <a:ea typeface="Arial"/>
+                <a:cs typeface="Arial"/>
+                <a:sym typeface="Arial"/>
+              </a:defRPr>
+            </a:lvl7pPr>
+            <a:lvl8pPr marL="3657600" marR="0" lvl="7" indent="-317500" algn="l" rtl="0">
+              <a:lnSpc>
+                <a:spcPct val="115000"/>
+              </a:lnSpc>
+              <a:spcBef>
+                <a:spcPts val="0"/>
+              </a:spcBef>
+              <a:spcAft>
+                <a:spcPts val="0"/>
+              </a:spcAft>
+              <a:buClr>
+                <a:schemeClr val="lt2"/>
+              </a:buClr>
+              <a:buSzPts val="1400"/>
+              <a:buFont typeface="Arial"/>
+              <a:buChar char="○"/>
+              <a:defRPr sz="1400" b="0" i="0" u="none" strike="noStrike" cap="none">
+                <a:solidFill>
+                  <a:schemeClr val="lt2"/>
+                </a:solidFill>
+                <a:latin typeface="Arial"/>
+                <a:ea typeface="Arial"/>
+                <a:cs typeface="Arial"/>
+                <a:sym typeface="Arial"/>
+              </a:defRPr>
+            </a:lvl8pPr>
+            <a:lvl9pPr marL="4114800" marR="0" lvl="8" indent="-317500" algn="l" rtl="0">
+              <a:lnSpc>
+                <a:spcPct val="115000"/>
+              </a:lnSpc>
+              <a:spcBef>
+                <a:spcPts val="0"/>
+              </a:spcBef>
+              <a:spcAft>
+                <a:spcPts val="0"/>
+              </a:spcAft>
+              <a:buClr>
+                <a:schemeClr val="lt2"/>
+              </a:buClr>
+              <a:buSzPts val="1400"/>
+              <a:buFont typeface="Arial"/>
+              <a:buChar char="■"/>
+              <a:defRPr sz="1400" b="0" i="0" u="none" strike="noStrike" cap="none">
+                <a:solidFill>
+                  <a:schemeClr val="lt2"/>
+                </a:solidFill>
+                <a:latin typeface="Arial"/>
+                <a:ea typeface="Arial"/>
+                <a:cs typeface="Arial"/>
+                <a:sym typeface="Arial"/>
+              </a:defRPr>
+            </a:lvl9pPr>
+          </a:lstStyle>
+          <a:p>
+            <a:pPr marL="0" indent="0">
+              <a:lnSpc>
+                <a:spcPct val="100000"/>
+              </a:lnSpc>
+              <a:buFont typeface="Arial"/>
+              <a:buNone/>
+            </a:pPr>
+            <a:r>
+              <a:rPr lang="en-US" sz="1200">
+                <a:solidFill>
+                  <a:schemeClr val="dk1"/>
+                </a:solidFill>
+              </a:rPr>
+              <a:t>WHEN I visit the adoption form</a:t>
+            </a:r>
+          </a:p>
+          <a:p>
+            <a:pPr marL="0" indent="0">
+              <a:buFont typeface="Arial"/>
+              <a:buNone/>
+            </a:pPr>
+            <a:endParaRPr lang="en-US" sz="4000">
+              <a:solidFill>
+                <a:schemeClr val="dk1"/>
+              </a:solidFill>
+            </a:endParaRPr>
+          </a:p>
+          <a:p>
+            <a:pPr marL="0" indent="0">
+              <a:spcBef>
+                <a:spcPts val="1200"/>
+              </a:spcBef>
+              <a:buFont typeface="Arial"/>
+              <a:buNone/>
+            </a:pPr>
+            <a:endParaRPr lang="en-US" sz="4000">
+              <a:solidFill>
+                <a:schemeClr val="dk1"/>
+              </a:solidFill>
+            </a:endParaRPr>
+          </a:p>
+          <a:p>
+            <a:pPr marL="0" indent="0">
+              <a:spcBef>
+                <a:spcPts val="1200"/>
+              </a:spcBef>
+              <a:buFont typeface="Arial"/>
+              <a:buNone/>
+            </a:pPr>
+            <a:endParaRPr lang="en-US" sz="4000">
+              <a:solidFill>
+                <a:schemeClr val="dk1"/>
+              </a:solidFill>
+            </a:endParaRPr>
+          </a:p>
+          <a:p>
+            <a:pPr marL="0" indent="0">
+              <a:spcBef>
+                <a:spcPts val="1200"/>
+              </a:spcBef>
+              <a:spcAft>
+                <a:spcPts val="1200"/>
+              </a:spcAft>
+              <a:buFont typeface="Arial"/>
+              <a:buNone/>
+            </a:pPr>
+            <a:endParaRPr lang="en-US" sz="4000" dirty="0"/>
+          </a:p>
+        </p:txBody>
+      </p:sp>
+      <p:sp>
+        <p:nvSpPr>
+          <p:cNvPr id="39" name="Google Shape;75;p15">
+            <a:extLst>
+              <a:ext uri="{FF2B5EF4-FFF2-40B4-BE49-F238E27FC236}">
+                <a16:creationId xmlns:a16="http://schemas.microsoft.com/office/drawing/2014/main" id="{45E0F0D8-C5CF-41AF-9C39-566C1E04AB2D}"/>
+              </a:ext>
+            </a:extLst>
+          </p:cNvPr>
+          <p:cNvSpPr/>
+          <p:nvPr/>
+        </p:nvSpPr>
+        <p:spPr>
+          <a:xfrm rot="10800000">
+            <a:off x="4658275" y="3771299"/>
+            <a:ext cx="4153200" cy="572700"/>
+          </a:xfrm>
+          <a:prstGeom prst="homePlate">
+            <a:avLst>
+              <a:gd name="adj" fmla="val 50000"/>
+            </a:avLst>
+          </a:prstGeom>
+          <a:solidFill>
+            <a:schemeClr val="accent1"/>
+          </a:solidFill>
+          <a:ln w="9525" cap="flat" cmpd="sng">
+            <a:solidFill>
+              <a:schemeClr val="dk2"/>
+            </a:solidFill>
+            <a:prstDash val="solid"/>
+            <a:round/>
+            <a:headEnd type="none" w="sm" len="sm"/>
+            <a:tailEnd type="none" w="sm" len="sm"/>
+          </a:ln>
+        </p:spPr>
+        <p:txBody>
+          <a:bodyPr spcFirstLastPara="1" wrap="square" lIns="91425" tIns="91425" rIns="91425" bIns="91425" anchor="ctr" anchorCtr="0">
+            <a:noAutofit/>
+          </a:bodyPr>
+          <a:lstStyle/>
+          <a:p>
+            <a:pPr marL="0" lvl="0" indent="0" algn="l" rtl="0">
+              <a:spcBef>
+                <a:spcPts val="0"/>
+              </a:spcBef>
+              <a:spcAft>
+                <a:spcPts val="0"/>
+              </a:spcAft>
+              <a:buNone/>
+            </a:pPr>
+            <a:endParaRPr/>
+          </a:p>
+        </p:txBody>
+      </p:sp>
+      <p:sp>
+        <p:nvSpPr>
+          <p:cNvPr id="40" name="Google Shape;76;p15">
+            <a:extLst>
+              <a:ext uri="{FF2B5EF4-FFF2-40B4-BE49-F238E27FC236}">
+                <a16:creationId xmlns:a16="http://schemas.microsoft.com/office/drawing/2014/main" id="{BC4B91AB-CD95-4E82-A82D-7BA8249CEB61}"/>
+              </a:ext>
+            </a:extLst>
+          </p:cNvPr>
+          <p:cNvSpPr txBox="1">
+            <a:spLocks/>
+          </p:cNvSpPr>
+          <p:nvPr/>
+        </p:nvSpPr>
+        <p:spPr>
+          <a:xfrm>
+            <a:off x="5363275" y="3886851"/>
+            <a:ext cx="3448800" cy="409325"/>
+          </a:xfrm>
+          <a:prstGeom prst="rect">
+            <a:avLst/>
+          </a:prstGeom>
+          <a:noFill/>
+          <a:ln>
+            <a:noFill/>
+          </a:ln>
+        </p:spPr>
+        <p:txBody>
+          <a:bodyPr spcFirstLastPara="1" wrap="square" lIns="91425" tIns="91425" rIns="91425" bIns="91425" anchor="t" anchorCtr="0">
+            <a:normAutofit fontScale="25000" lnSpcReduction="20000"/>
+          </a:bodyPr>
+          <a:lstStyle>
+            <a:defPPr marR="0" lvl="0" algn="l" rtl="0">
+              <a:lnSpc>
+                <a:spcPct val="100000"/>
+              </a:lnSpc>
+              <a:spcBef>
+                <a:spcPts val="0"/>
+              </a:spcBef>
+              <a:spcAft>
+                <a:spcPts val="0"/>
+              </a:spcAft>
+            </a:defPPr>
+            <a:lvl1pPr marL="457200" marR="0" lvl="0" indent="-342900" algn="l" rtl="0">
+              <a:lnSpc>
+                <a:spcPct val="115000"/>
+              </a:lnSpc>
+              <a:spcBef>
+                <a:spcPts val="0"/>
+              </a:spcBef>
+              <a:spcAft>
+                <a:spcPts val="0"/>
+              </a:spcAft>
+              <a:buClr>
+                <a:schemeClr val="lt2"/>
+              </a:buClr>
+              <a:buSzPts val="1800"/>
+              <a:buFont typeface="Arial"/>
+              <a:buChar char="●"/>
+              <a:defRPr sz="1800" b="0" i="0" u="none" strike="noStrike" cap="none">
+                <a:solidFill>
+                  <a:schemeClr val="lt2"/>
+                </a:solidFill>
+                <a:latin typeface="Arial"/>
+                <a:ea typeface="Arial"/>
+                <a:cs typeface="Arial"/>
+                <a:sym typeface="Arial"/>
+              </a:defRPr>
+            </a:lvl1pPr>
+            <a:lvl2pPr marL="914400" marR="0" lvl="1" indent="-317500" algn="l" rtl="0">
+              <a:lnSpc>
+                <a:spcPct val="115000"/>
+              </a:lnSpc>
+              <a:spcBef>
+                <a:spcPts val="0"/>
+              </a:spcBef>
+              <a:spcAft>
+                <a:spcPts val="0"/>
+              </a:spcAft>
+              <a:buClr>
+                <a:schemeClr val="lt2"/>
+              </a:buClr>
+              <a:buSzPts val="1400"/>
+              <a:buFont typeface="Arial"/>
+              <a:buChar char="○"/>
+              <a:defRPr sz="1400" b="0" i="0" u="none" strike="noStrike" cap="none">
+                <a:solidFill>
+                  <a:schemeClr val="lt2"/>
+                </a:solidFill>
+                <a:latin typeface="Arial"/>
+                <a:ea typeface="Arial"/>
+                <a:cs typeface="Arial"/>
+                <a:sym typeface="Arial"/>
+              </a:defRPr>
+            </a:lvl2pPr>
+            <a:lvl3pPr marL="1371600" marR="0" lvl="2" indent="-317500" algn="l" rtl="0">
+              <a:lnSpc>
+                <a:spcPct val="115000"/>
+              </a:lnSpc>
+              <a:spcBef>
+                <a:spcPts val="0"/>
+              </a:spcBef>
+              <a:spcAft>
+                <a:spcPts val="0"/>
+              </a:spcAft>
+              <a:buClr>
+                <a:schemeClr val="lt2"/>
+              </a:buClr>
+              <a:buSzPts val="1400"/>
+              <a:buFont typeface="Arial"/>
+              <a:buChar char="■"/>
+              <a:defRPr sz="1400" b="0" i="0" u="none" strike="noStrike" cap="none">
+                <a:solidFill>
+                  <a:schemeClr val="lt2"/>
+                </a:solidFill>
+                <a:latin typeface="Arial"/>
+                <a:ea typeface="Arial"/>
+                <a:cs typeface="Arial"/>
+                <a:sym typeface="Arial"/>
+              </a:defRPr>
+            </a:lvl3pPr>
+            <a:lvl4pPr marL="1828800" marR="0" lvl="3" indent="-317500" algn="l" rtl="0">
+              <a:lnSpc>
+                <a:spcPct val="115000"/>
+              </a:lnSpc>
+              <a:spcBef>
+                <a:spcPts val="0"/>
+              </a:spcBef>
+              <a:spcAft>
+                <a:spcPts val="0"/>
+              </a:spcAft>
+              <a:buClr>
+                <a:schemeClr val="lt2"/>
+              </a:buClr>
+              <a:buSzPts val="1400"/>
+              <a:buFont typeface="Arial"/>
+              <a:buChar char="●"/>
+              <a:defRPr sz="1400" b="0" i="0" u="none" strike="noStrike" cap="none">
+                <a:solidFill>
+                  <a:schemeClr val="lt2"/>
+                </a:solidFill>
+                <a:latin typeface="Arial"/>
+                <a:ea typeface="Arial"/>
+                <a:cs typeface="Arial"/>
+                <a:sym typeface="Arial"/>
+              </a:defRPr>
+            </a:lvl4pPr>
+            <a:lvl5pPr marL="2286000" marR="0" lvl="4" indent="-317500" algn="l" rtl="0">
+              <a:lnSpc>
+                <a:spcPct val="115000"/>
+              </a:lnSpc>
+              <a:spcBef>
+                <a:spcPts val="0"/>
+              </a:spcBef>
+              <a:spcAft>
+                <a:spcPts val="0"/>
+              </a:spcAft>
+              <a:buClr>
+                <a:schemeClr val="lt2"/>
+              </a:buClr>
+              <a:buSzPts val="1400"/>
+              <a:buFont typeface="Arial"/>
+              <a:buChar char="○"/>
+              <a:defRPr sz="1400" b="0" i="0" u="none" strike="noStrike" cap="none">
+                <a:solidFill>
+                  <a:schemeClr val="lt2"/>
+                </a:solidFill>
+                <a:latin typeface="Arial"/>
+                <a:ea typeface="Arial"/>
+                <a:cs typeface="Arial"/>
+                <a:sym typeface="Arial"/>
+              </a:defRPr>
+            </a:lvl5pPr>
+            <a:lvl6pPr marL="2743200" marR="0" lvl="5" indent="-317500" algn="l" rtl="0">
+              <a:lnSpc>
+                <a:spcPct val="115000"/>
+              </a:lnSpc>
+              <a:spcBef>
+                <a:spcPts val="0"/>
+              </a:spcBef>
+              <a:spcAft>
+                <a:spcPts val="0"/>
+              </a:spcAft>
+              <a:buClr>
+                <a:schemeClr val="lt2"/>
+              </a:buClr>
+              <a:buSzPts val="1400"/>
+              <a:buFont typeface="Arial"/>
+              <a:buChar char="■"/>
+              <a:defRPr sz="1400" b="0" i="0" u="none" strike="noStrike" cap="none">
+                <a:solidFill>
+                  <a:schemeClr val="lt2"/>
+                </a:solidFill>
+                <a:latin typeface="Arial"/>
+                <a:ea typeface="Arial"/>
+                <a:cs typeface="Arial"/>
+                <a:sym typeface="Arial"/>
+              </a:defRPr>
+            </a:lvl6pPr>
+            <a:lvl7pPr marL="3200400" marR="0" lvl="6" indent="-317500" algn="l" rtl="0">
+              <a:lnSpc>
+                <a:spcPct val="115000"/>
+              </a:lnSpc>
+              <a:spcBef>
+                <a:spcPts val="0"/>
+              </a:spcBef>
+              <a:spcAft>
+                <a:spcPts val="0"/>
+              </a:spcAft>
+              <a:buClr>
+                <a:schemeClr val="lt2"/>
+              </a:buClr>
+              <a:buSzPts val="1400"/>
+              <a:buFont typeface="Arial"/>
+              <a:buChar char="●"/>
+              <a:defRPr sz="1400" b="0" i="0" u="none" strike="noStrike" cap="none">
+                <a:solidFill>
+                  <a:schemeClr val="lt2"/>
+                </a:solidFill>
+                <a:latin typeface="Arial"/>
+                <a:ea typeface="Arial"/>
+                <a:cs typeface="Arial"/>
+                <a:sym typeface="Arial"/>
+              </a:defRPr>
+            </a:lvl7pPr>
+            <a:lvl8pPr marL="3657600" marR="0" lvl="7" indent="-317500" algn="l" rtl="0">
+              <a:lnSpc>
+                <a:spcPct val="115000"/>
+              </a:lnSpc>
+              <a:spcBef>
+                <a:spcPts val="0"/>
+              </a:spcBef>
+              <a:spcAft>
+                <a:spcPts val="0"/>
+              </a:spcAft>
+              <a:buClr>
+                <a:schemeClr val="lt2"/>
+              </a:buClr>
+              <a:buSzPts val="1400"/>
+              <a:buFont typeface="Arial"/>
+              <a:buChar char="○"/>
+              <a:defRPr sz="1400" b="0" i="0" u="none" strike="noStrike" cap="none">
+                <a:solidFill>
+                  <a:schemeClr val="lt2"/>
+                </a:solidFill>
+                <a:latin typeface="Arial"/>
+                <a:ea typeface="Arial"/>
+                <a:cs typeface="Arial"/>
+                <a:sym typeface="Arial"/>
+              </a:defRPr>
+            </a:lvl8pPr>
+            <a:lvl9pPr marL="4114800" marR="0" lvl="8" indent="-317500" algn="l" rtl="0">
+              <a:lnSpc>
+                <a:spcPct val="115000"/>
+              </a:lnSpc>
+              <a:spcBef>
+                <a:spcPts val="0"/>
+              </a:spcBef>
+              <a:spcAft>
+                <a:spcPts val="0"/>
+              </a:spcAft>
+              <a:buClr>
+                <a:schemeClr val="lt2"/>
+              </a:buClr>
+              <a:buSzPts val="1400"/>
+              <a:buFont typeface="Arial"/>
+              <a:buChar char="■"/>
+              <a:defRPr sz="1400" b="0" i="0" u="none" strike="noStrike" cap="none">
+                <a:solidFill>
+                  <a:schemeClr val="lt2"/>
+                </a:solidFill>
+                <a:latin typeface="Arial"/>
+                <a:ea typeface="Arial"/>
+                <a:cs typeface="Arial"/>
+                <a:sym typeface="Arial"/>
+              </a:defRPr>
+            </a:lvl9pPr>
+          </a:lstStyle>
+          <a:p>
+            <a:pPr marL="0" indent="0" algn="r">
+              <a:lnSpc>
+                <a:spcPct val="100000"/>
+              </a:lnSpc>
+              <a:buFont typeface="Arial"/>
+              <a:buNone/>
+            </a:pPr>
+            <a:r>
+              <a:rPr lang="en-US" sz="4600" dirty="0">
+                <a:solidFill>
+                  <a:schemeClr val="dk1"/>
+                </a:solidFill>
+              </a:rPr>
+              <a:t>THEN I am presented with a contact form</a:t>
+            </a:r>
+          </a:p>
+          <a:p>
+            <a:pPr marL="0" indent="0">
+              <a:lnSpc>
+                <a:spcPct val="100000"/>
+              </a:lnSpc>
+              <a:buFont typeface="Arial"/>
+              <a:buNone/>
+            </a:pPr>
+            <a:endParaRPr lang="en-US" sz="4000" dirty="0">
+              <a:solidFill>
+                <a:schemeClr val="dk1"/>
+              </a:solidFill>
+            </a:endParaRPr>
+          </a:p>
+          <a:p>
+            <a:pPr marL="0" indent="0">
+              <a:lnSpc>
+                <a:spcPct val="100000"/>
+              </a:lnSpc>
+              <a:buFont typeface="Arial"/>
+              <a:buNone/>
+            </a:pPr>
+            <a:endParaRPr lang="en-US" sz="4000" dirty="0">
+              <a:solidFill>
+                <a:schemeClr val="dk1"/>
+              </a:solidFill>
+            </a:endParaRPr>
+          </a:p>
+          <a:p>
+            <a:pPr marL="0" indent="0">
+              <a:buFont typeface="Arial"/>
+              <a:buNone/>
+            </a:pPr>
+            <a:endParaRPr lang="en-US" sz="4000" dirty="0">
+              <a:solidFill>
+                <a:schemeClr val="dk1"/>
+              </a:solidFill>
+            </a:endParaRPr>
+          </a:p>
+          <a:p>
+            <a:pPr marL="0" indent="0">
+              <a:spcBef>
+                <a:spcPts val="1200"/>
+              </a:spcBef>
+              <a:buFont typeface="Arial"/>
+              <a:buNone/>
+            </a:pPr>
+            <a:endParaRPr lang="en-US" sz="4000" dirty="0">
+              <a:solidFill>
+                <a:schemeClr val="dk1"/>
+              </a:solidFill>
+            </a:endParaRPr>
+          </a:p>
+          <a:p>
+            <a:pPr marL="0" indent="0">
+              <a:spcBef>
+                <a:spcPts val="1200"/>
+              </a:spcBef>
+              <a:buFont typeface="Arial"/>
+              <a:buNone/>
+            </a:pPr>
+            <a:endParaRPr lang="en-US" sz="4000" dirty="0">
+              <a:solidFill>
+                <a:schemeClr val="dk1"/>
+              </a:solidFill>
+            </a:endParaRPr>
+          </a:p>
+          <a:p>
+            <a:pPr marL="0" indent="0">
+              <a:spcBef>
+                <a:spcPts val="1200"/>
+              </a:spcBef>
+              <a:spcAft>
+                <a:spcPts val="1200"/>
+              </a:spcAft>
+              <a:buFont typeface="Arial"/>
+              <a:buNone/>
+            </a:pPr>
+            <a:endParaRPr lang="en-US" sz="4000" dirty="0"/>
+          </a:p>
+        </p:txBody>
+      </p:sp>
     </p:spTree>
   </p:cSld>
   <p:clrMapOvr>
@@ -12919,13 +12994,542 @@
       </p:sp>
       <p:sp>
         <p:nvSpPr>
-          <p:cNvPr id="73" name="Google Shape;73;p15"/>
+          <p:cNvPr id="77" name="Google Shape;77;p15"/>
           <p:cNvSpPr/>
           <p:nvPr/>
         </p:nvSpPr>
         <p:spPr>
           <a:xfrm>
-            <a:off x="332525" y="1394068"/>
+            <a:off x="332525" y="1467188"/>
+            <a:ext cx="3997500" cy="705449"/>
+          </a:xfrm>
+          <a:prstGeom prst="homePlate">
+            <a:avLst>
+              <a:gd name="adj" fmla="val 50000"/>
+            </a:avLst>
+          </a:prstGeom>
+          <a:solidFill>
+            <a:srgbClr val="CCCCCC"/>
+          </a:solidFill>
+          <a:ln w="9525" cap="flat" cmpd="sng">
+            <a:solidFill>
+              <a:schemeClr val="dk2"/>
+            </a:solidFill>
+            <a:prstDash val="solid"/>
+            <a:round/>
+            <a:headEnd type="none" w="sm" len="sm"/>
+            <a:tailEnd type="none" w="sm" len="sm"/>
+          </a:ln>
+        </p:spPr>
+        <p:txBody>
+          <a:bodyPr spcFirstLastPara="1" wrap="square" lIns="91425" tIns="91425" rIns="91425" bIns="91425" anchor="ctr" anchorCtr="0">
+            <a:noAutofit/>
+          </a:bodyPr>
+          <a:lstStyle/>
+          <a:p>
+            <a:pPr marL="0" lvl="0" indent="0" algn="l" rtl="0">
+              <a:spcBef>
+                <a:spcPts val="0"/>
+              </a:spcBef>
+              <a:spcAft>
+                <a:spcPts val="0"/>
+              </a:spcAft>
+              <a:buNone/>
+            </a:pPr>
+            <a:endParaRPr/>
+          </a:p>
+        </p:txBody>
+      </p:sp>
+      <p:sp>
+        <p:nvSpPr>
+          <p:cNvPr id="78" name="Google Shape;78;p15"/>
+          <p:cNvSpPr/>
+          <p:nvPr/>
+        </p:nvSpPr>
+        <p:spPr>
+          <a:xfrm rot="10800000">
+            <a:off x="4683725" y="1487303"/>
+            <a:ext cx="4153200" cy="705448"/>
+          </a:xfrm>
+          <a:prstGeom prst="homePlate">
+            <a:avLst>
+              <a:gd name="adj" fmla="val 50000"/>
+            </a:avLst>
+          </a:prstGeom>
+          <a:solidFill>
+            <a:schemeClr val="accent1"/>
+          </a:solidFill>
+          <a:ln w="9525" cap="flat" cmpd="sng">
+            <a:solidFill>
+              <a:schemeClr val="dk2"/>
+            </a:solidFill>
+            <a:prstDash val="solid"/>
+            <a:round/>
+            <a:headEnd type="none" w="sm" len="sm"/>
+            <a:tailEnd type="none" w="sm" len="sm"/>
+          </a:ln>
+        </p:spPr>
+        <p:txBody>
+          <a:bodyPr spcFirstLastPara="1" wrap="square" lIns="91425" tIns="91425" rIns="91425" bIns="91425" anchor="ctr" anchorCtr="0">
+            <a:noAutofit/>
+          </a:bodyPr>
+          <a:lstStyle/>
+          <a:p>
+            <a:pPr marL="0" lvl="0" indent="0" algn="l" rtl="0">
+              <a:spcBef>
+                <a:spcPts val="0"/>
+              </a:spcBef>
+              <a:spcAft>
+                <a:spcPts val="0"/>
+              </a:spcAft>
+              <a:buNone/>
+            </a:pPr>
+            <a:endParaRPr/>
+          </a:p>
+        </p:txBody>
+      </p:sp>
+      <p:sp>
+        <p:nvSpPr>
+          <p:cNvPr id="79" name="Google Shape;79;p15"/>
+          <p:cNvSpPr/>
+          <p:nvPr/>
+        </p:nvSpPr>
+        <p:spPr>
+          <a:xfrm rot="10800000">
+            <a:off x="4683725" y="2236149"/>
+            <a:ext cx="4153200" cy="572700"/>
+          </a:xfrm>
+          <a:prstGeom prst="homePlate">
+            <a:avLst>
+              <a:gd name="adj" fmla="val 50000"/>
+            </a:avLst>
+          </a:prstGeom>
+          <a:solidFill>
+            <a:schemeClr val="accent1"/>
+          </a:solidFill>
+          <a:ln w="9525" cap="flat" cmpd="sng">
+            <a:solidFill>
+              <a:schemeClr val="dk2"/>
+            </a:solidFill>
+            <a:prstDash val="solid"/>
+            <a:round/>
+            <a:headEnd type="none" w="sm" len="sm"/>
+            <a:tailEnd type="none" w="sm" len="sm"/>
+          </a:ln>
+        </p:spPr>
+        <p:txBody>
+          <a:bodyPr spcFirstLastPara="1" wrap="square" lIns="91425" tIns="91425" rIns="91425" bIns="91425" anchor="ctr" anchorCtr="0">
+            <a:noAutofit/>
+          </a:bodyPr>
+          <a:lstStyle/>
+          <a:p>
+            <a:pPr marL="0" lvl="0" indent="0" algn="l" rtl="0">
+              <a:spcBef>
+                <a:spcPts val="0"/>
+              </a:spcBef>
+              <a:spcAft>
+                <a:spcPts val="0"/>
+              </a:spcAft>
+              <a:buNone/>
+            </a:pPr>
+            <a:endParaRPr/>
+          </a:p>
+        </p:txBody>
+      </p:sp>
+      <p:sp>
+        <p:nvSpPr>
+          <p:cNvPr id="80" name="Google Shape;80;p15"/>
+          <p:cNvSpPr txBox="1">
+            <a:spLocks noGrp="1"/>
+          </p:cNvSpPr>
+          <p:nvPr>
+            <p:ph type="body" idx="1"/>
+          </p:nvPr>
+        </p:nvSpPr>
+        <p:spPr>
+          <a:xfrm>
+            <a:off x="4839425" y="1559459"/>
+            <a:ext cx="3997500" cy="598465"/>
+          </a:xfrm>
+          <a:prstGeom prst="rect">
+            <a:avLst/>
+          </a:prstGeom>
+        </p:spPr>
+        <p:txBody>
+          <a:bodyPr spcFirstLastPara="1" wrap="square" lIns="91425" tIns="91425" rIns="91425" bIns="91425" anchor="t" anchorCtr="0">
+            <a:normAutofit/>
+          </a:bodyPr>
+          <a:lstStyle/>
+          <a:p>
+            <a:pPr marL="0" lvl="0" indent="0" algn="r" rtl="0">
+              <a:lnSpc>
+                <a:spcPct val="100000"/>
+              </a:lnSpc>
+              <a:spcBef>
+                <a:spcPts val="0"/>
+              </a:spcBef>
+              <a:spcAft>
+                <a:spcPts val="0"/>
+              </a:spcAft>
+              <a:buNone/>
+            </a:pPr>
+            <a:r>
+              <a:rPr lang="en-CA" sz="1200" dirty="0">
+                <a:solidFill>
+                  <a:schemeClr val="dk1"/>
+                </a:solidFill>
+              </a:rPr>
+              <a:t>THEN an email is sent to the website owner so that they may get in touch with me</a:t>
+            </a:r>
+            <a:endParaRPr sz="1200" dirty="0">
+              <a:solidFill>
+                <a:schemeClr val="dk1"/>
+              </a:solidFill>
+            </a:endParaRPr>
+          </a:p>
+          <a:p>
+            <a:pPr marL="0" lvl="0" indent="0" algn="l" rtl="0">
+              <a:spcBef>
+                <a:spcPts val="0"/>
+              </a:spcBef>
+              <a:spcAft>
+                <a:spcPts val="0"/>
+              </a:spcAft>
+              <a:buNone/>
+            </a:pPr>
+            <a:endParaRPr sz="1200" dirty="0">
+              <a:solidFill>
+                <a:schemeClr val="dk1"/>
+              </a:solidFill>
+            </a:endParaRPr>
+          </a:p>
+          <a:p>
+            <a:pPr marL="0" lvl="0" indent="0" algn="l" rtl="0">
+              <a:spcBef>
+                <a:spcPts val="1200"/>
+              </a:spcBef>
+              <a:spcAft>
+                <a:spcPts val="0"/>
+              </a:spcAft>
+              <a:buNone/>
+            </a:pPr>
+            <a:endParaRPr sz="1200" dirty="0">
+              <a:solidFill>
+                <a:schemeClr val="dk1"/>
+              </a:solidFill>
+            </a:endParaRPr>
+          </a:p>
+          <a:p>
+            <a:pPr marL="0" lvl="0" indent="0" algn="l" rtl="0">
+              <a:spcBef>
+                <a:spcPts val="1200"/>
+              </a:spcBef>
+              <a:spcAft>
+                <a:spcPts val="0"/>
+              </a:spcAft>
+              <a:buNone/>
+            </a:pPr>
+            <a:endParaRPr sz="1200" dirty="0">
+              <a:solidFill>
+                <a:schemeClr val="dk1"/>
+              </a:solidFill>
+            </a:endParaRPr>
+          </a:p>
+          <a:p>
+            <a:pPr marL="0" lvl="0" indent="0" algn="l" rtl="0">
+              <a:spcBef>
+                <a:spcPts val="1200"/>
+              </a:spcBef>
+              <a:spcAft>
+                <a:spcPts val="1200"/>
+              </a:spcAft>
+              <a:buNone/>
+            </a:pPr>
+            <a:endParaRPr sz="1200" dirty="0"/>
+          </a:p>
+        </p:txBody>
+      </p:sp>
+      <p:sp>
+        <p:nvSpPr>
+          <p:cNvPr id="81" name="Google Shape;81;p15"/>
+          <p:cNvSpPr txBox="1">
+            <a:spLocks noGrp="1"/>
+          </p:cNvSpPr>
+          <p:nvPr>
+            <p:ph type="body" idx="1"/>
+          </p:nvPr>
+        </p:nvSpPr>
+        <p:spPr>
+          <a:xfrm>
+            <a:off x="5090686" y="2229048"/>
+            <a:ext cx="3795532" cy="566261"/>
+          </a:xfrm>
+          <a:prstGeom prst="rect">
+            <a:avLst/>
+          </a:prstGeom>
+        </p:spPr>
+        <p:txBody>
+          <a:bodyPr spcFirstLastPara="1" wrap="square" lIns="91425" tIns="91425" rIns="91425" bIns="91425" anchor="t" anchorCtr="0">
+            <a:normAutofit/>
+          </a:bodyPr>
+          <a:lstStyle/>
+          <a:p>
+            <a:pPr marL="0" lvl="0" indent="0" algn="r" rtl="0">
+              <a:lnSpc>
+                <a:spcPct val="100000"/>
+              </a:lnSpc>
+              <a:spcBef>
+                <a:spcPts val="0"/>
+              </a:spcBef>
+              <a:spcAft>
+                <a:spcPts val="0"/>
+              </a:spcAft>
+              <a:buNone/>
+            </a:pPr>
+            <a:r>
+              <a:rPr lang="en-CA" sz="1200" dirty="0">
+                <a:solidFill>
+                  <a:schemeClr val="dk1"/>
+                </a:solidFill>
+              </a:rPr>
+              <a:t>THEN I am presented with a form to fill for donation</a:t>
+            </a:r>
+            <a:endParaRPr sz="1200" dirty="0">
+              <a:solidFill>
+                <a:schemeClr val="dk1"/>
+              </a:solidFill>
+            </a:endParaRPr>
+          </a:p>
+          <a:p>
+            <a:pPr marL="0" lvl="0" indent="0" algn="l" rtl="0">
+              <a:lnSpc>
+                <a:spcPct val="100000"/>
+              </a:lnSpc>
+              <a:spcBef>
+                <a:spcPts val="0"/>
+              </a:spcBef>
+              <a:spcAft>
+                <a:spcPts val="0"/>
+              </a:spcAft>
+              <a:buNone/>
+            </a:pPr>
+            <a:endParaRPr sz="1200" dirty="0">
+              <a:solidFill>
+                <a:schemeClr val="dk1"/>
+              </a:solidFill>
+            </a:endParaRPr>
+          </a:p>
+          <a:p>
+            <a:pPr marL="0" lvl="0" indent="0" algn="l" rtl="0">
+              <a:lnSpc>
+                <a:spcPct val="100000"/>
+              </a:lnSpc>
+              <a:spcBef>
+                <a:spcPts val="0"/>
+              </a:spcBef>
+              <a:spcAft>
+                <a:spcPts val="0"/>
+              </a:spcAft>
+              <a:buNone/>
+            </a:pPr>
+            <a:endParaRPr sz="1200" dirty="0">
+              <a:solidFill>
+                <a:schemeClr val="dk1"/>
+              </a:solidFill>
+            </a:endParaRPr>
+          </a:p>
+          <a:p>
+            <a:pPr marL="0" lvl="0" indent="0" algn="l" rtl="0">
+              <a:spcBef>
+                <a:spcPts val="0"/>
+              </a:spcBef>
+              <a:spcAft>
+                <a:spcPts val="0"/>
+              </a:spcAft>
+              <a:buNone/>
+            </a:pPr>
+            <a:endParaRPr sz="1200" dirty="0">
+              <a:solidFill>
+                <a:schemeClr val="dk1"/>
+              </a:solidFill>
+            </a:endParaRPr>
+          </a:p>
+          <a:p>
+            <a:pPr marL="0" lvl="0" indent="0" algn="l" rtl="0">
+              <a:spcBef>
+                <a:spcPts val="1200"/>
+              </a:spcBef>
+              <a:spcAft>
+                <a:spcPts val="0"/>
+              </a:spcAft>
+              <a:buNone/>
+            </a:pPr>
+            <a:endParaRPr sz="1200" dirty="0">
+              <a:solidFill>
+                <a:schemeClr val="dk1"/>
+              </a:solidFill>
+            </a:endParaRPr>
+          </a:p>
+          <a:p>
+            <a:pPr marL="0" lvl="0" indent="0" algn="l" rtl="0">
+              <a:spcBef>
+                <a:spcPts val="1200"/>
+              </a:spcBef>
+              <a:spcAft>
+                <a:spcPts val="0"/>
+              </a:spcAft>
+              <a:buNone/>
+            </a:pPr>
+            <a:endParaRPr sz="1200" dirty="0">
+              <a:solidFill>
+                <a:schemeClr val="dk1"/>
+              </a:solidFill>
+            </a:endParaRPr>
+          </a:p>
+          <a:p>
+            <a:pPr marL="0" lvl="0" indent="0" algn="l" rtl="0">
+              <a:spcBef>
+                <a:spcPts val="1200"/>
+              </a:spcBef>
+              <a:spcAft>
+                <a:spcPts val="1200"/>
+              </a:spcAft>
+              <a:buNone/>
+            </a:pPr>
+            <a:endParaRPr sz="1200" dirty="0"/>
+          </a:p>
+        </p:txBody>
+      </p:sp>
+      <p:sp>
+        <p:nvSpPr>
+          <p:cNvPr id="82" name="Google Shape;82;p15"/>
+          <p:cNvSpPr txBox="1">
+            <a:spLocks noGrp="1"/>
+          </p:cNvSpPr>
+          <p:nvPr>
+            <p:ph type="body" idx="1"/>
+          </p:nvPr>
+        </p:nvSpPr>
+        <p:spPr>
+          <a:xfrm>
+            <a:off x="332525" y="1637937"/>
+            <a:ext cx="3900039" cy="402300"/>
+          </a:xfrm>
+          <a:prstGeom prst="rect">
+            <a:avLst/>
+          </a:prstGeom>
+        </p:spPr>
+        <p:txBody>
+          <a:bodyPr spcFirstLastPara="1" wrap="square" lIns="91425" tIns="91425" rIns="91425" bIns="91425" anchor="t" anchorCtr="0">
+            <a:normAutofit fontScale="25000" lnSpcReduction="20000"/>
+          </a:bodyPr>
+          <a:lstStyle/>
+          <a:p>
+            <a:pPr marL="0" lvl="0" indent="0" algn="l" rtl="0">
+              <a:lnSpc>
+                <a:spcPct val="100000"/>
+              </a:lnSpc>
+              <a:spcBef>
+                <a:spcPts val="0"/>
+              </a:spcBef>
+              <a:spcAft>
+                <a:spcPts val="0"/>
+              </a:spcAft>
+              <a:buNone/>
+            </a:pPr>
+            <a:r>
+              <a:rPr lang="fr" sz="4600" dirty="0">
+                <a:solidFill>
+                  <a:schemeClr val="dk1"/>
+                </a:solidFill>
+              </a:rPr>
+              <a:t>WHEN </a:t>
+            </a:r>
+            <a:r>
+              <a:rPr lang="en-CA" sz="4600" dirty="0">
+                <a:solidFill>
+                  <a:schemeClr val="dk1"/>
+                </a:solidFill>
+              </a:rPr>
+              <a:t>I enter my information in the form and click Submit</a:t>
+            </a:r>
+            <a:endParaRPr sz="4600" dirty="0">
+              <a:solidFill>
+                <a:schemeClr val="dk1"/>
+              </a:solidFill>
+            </a:endParaRPr>
+          </a:p>
+          <a:p>
+            <a:pPr marL="0" lvl="0" indent="0" algn="l" rtl="0">
+              <a:spcBef>
+                <a:spcPts val="0"/>
+              </a:spcBef>
+              <a:spcAft>
+                <a:spcPts val="0"/>
+              </a:spcAft>
+              <a:buNone/>
+            </a:pPr>
+            <a:endParaRPr sz="4000" dirty="0">
+              <a:solidFill>
+                <a:schemeClr val="dk1"/>
+              </a:solidFill>
+            </a:endParaRPr>
+          </a:p>
+          <a:p>
+            <a:pPr marL="0" lvl="0" indent="0" algn="l" rtl="0">
+              <a:spcBef>
+                <a:spcPts val="1200"/>
+              </a:spcBef>
+              <a:spcAft>
+                <a:spcPts val="0"/>
+              </a:spcAft>
+              <a:buNone/>
+            </a:pPr>
+            <a:endParaRPr sz="4000" dirty="0">
+              <a:solidFill>
+                <a:schemeClr val="dk1"/>
+              </a:solidFill>
+            </a:endParaRPr>
+          </a:p>
+          <a:p>
+            <a:pPr marL="0" lvl="0" indent="0" algn="l" rtl="0">
+              <a:spcBef>
+                <a:spcPts val="1200"/>
+              </a:spcBef>
+              <a:spcAft>
+                <a:spcPts val="0"/>
+              </a:spcAft>
+              <a:buNone/>
+            </a:pPr>
+            <a:endParaRPr sz="4000" dirty="0">
+              <a:solidFill>
+                <a:schemeClr val="dk1"/>
+              </a:solidFill>
+            </a:endParaRPr>
+          </a:p>
+          <a:p>
+            <a:pPr marL="0" lvl="0" indent="0" algn="l" rtl="0">
+              <a:spcBef>
+                <a:spcPts val="1200"/>
+              </a:spcBef>
+              <a:spcAft>
+                <a:spcPts val="1200"/>
+              </a:spcAft>
+              <a:buNone/>
+            </a:pPr>
+            <a:endParaRPr sz="4000" dirty="0"/>
+          </a:p>
+        </p:txBody>
+      </p:sp>
+      <p:sp>
+        <p:nvSpPr>
+          <p:cNvPr id="83" name="Google Shape;83;p15"/>
+          <p:cNvSpPr/>
+          <p:nvPr/>
+        </p:nvSpPr>
+        <p:spPr>
+          <a:xfrm>
+            <a:off x="332525" y="2236137"/>
             <a:ext cx="3997500" cy="572700"/>
           </a:xfrm>
           <a:prstGeom prst="homePlate">
@@ -12967,7 +13571,7 @@
       </p:sp>
       <p:sp>
         <p:nvSpPr>
-          <p:cNvPr id="74" name="Google Shape;74;p15"/>
+          <p:cNvPr id="84" name="Google Shape;84;p15"/>
           <p:cNvSpPr txBox="1">
             <a:spLocks noGrp="1"/>
           </p:cNvSpPr>
@@ -12977,7 +13581,7 @@
         </p:nvSpPr>
         <p:spPr>
           <a:xfrm>
-            <a:off x="332525" y="1508064"/>
+            <a:off x="332525" y="2356287"/>
             <a:ext cx="4154400" cy="402300"/>
           </a:xfrm>
           <a:prstGeom prst="rect">
@@ -13003,20 +13607,12 @@
               <a:buNone/>
             </a:pPr>
             <a:r>
-              <a:rPr lang="fr" sz="1200" dirty="0">
+              <a:rPr lang="en-CA" sz="1200" dirty="0">
                 <a:solidFill>
                   <a:schemeClr val="dk1"/>
                 </a:solidFill>
               </a:rPr>
-              <a:t>WHEN I visit </a:t>
-            </a:r>
-            <a:r>
-              <a:rPr lang="en-CA" sz="1200" dirty="0">
-                <a:solidFill>
-                  <a:schemeClr val="dk1"/>
-                </a:solidFill>
-              </a:rPr>
-              <a:t>the adoption form</a:t>
+              <a:t>WHEN I click on the donations page</a:t>
             </a:r>
             <a:endParaRPr sz="1200" dirty="0">
               <a:solidFill>
@@ -13026,6 +13622,9 @@
           </a:p>
           <a:p>
             <a:pPr marL="0" lvl="0" indent="0" algn="l" rtl="0">
+              <a:lnSpc>
+                <a:spcPct val="100000"/>
+              </a:lnSpc>
               <a:spcBef>
                 <a:spcPts val="0"/>
               </a:spcBef>
@@ -13042,8 +13641,11 @@
           </a:p>
           <a:p>
             <a:pPr marL="0" lvl="0" indent="0" algn="l" rtl="0">
-              <a:spcBef>
-                <a:spcPts val="1200"/>
+              <a:lnSpc>
+                <a:spcPct val="100000"/>
+              </a:lnSpc>
+              <a:spcBef>
+                <a:spcPts val="0"/>
               </a:spcBef>
               <a:spcAft>
                 <a:spcPts val="0"/>
@@ -13058,8 +13660,11 @@
           </a:p>
           <a:p>
             <a:pPr marL="0" lvl="0" indent="0" algn="l" rtl="0">
-              <a:spcBef>
-                <a:spcPts val="1200"/>
+              <a:lnSpc>
+                <a:spcPct val="100000"/>
+              </a:lnSpc>
+              <a:spcBef>
+                <a:spcPts val="0"/>
               </a:spcBef>
               <a:spcAft>
                 <a:spcPts val="0"/>
@@ -13074,6 +13679,92 @@
           </a:p>
           <a:p>
             <a:pPr marL="0" lvl="0" indent="0" algn="l" rtl="0">
+              <a:lnSpc>
+                <a:spcPct val="100000"/>
+              </a:lnSpc>
+              <a:spcBef>
+                <a:spcPts val="0"/>
+              </a:spcBef>
+              <a:spcAft>
+                <a:spcPts val="0"/>
+              </a:spcAft>
+              <a:buNone/>
+            </a:pPr>
+            <a:endParaRPr sz="4000" dirty="0">
+              <a:solidFill>
+                <a:srgbClr val="000000"/>
+              </a:solidFill>
+            </a:endParaRPr>
+          </a:p>
+          <a:p>
+            <a:pPr marL="0" lvl="0" indent="0" algn="l" rtl="0">
+              <a:lnSpc>
+                <a:spcPct val="100000"/>
+              </a:lnSpc>
+              <a:spcBef>
+                <a:spcPts val="0"/>
+              </a:spcBef>
+              <a:spcAft>
+                <a:spcPts val="0"/>
+              </a:spcAft>
+              <a:buNone/>
+            </a:pPr>
+            <a:endParaRPr sz="4600" dirty="0">
+              <a:solidFill>
+                <a:schemeClr val="dk1"/>
+              </a:solidFill>
+            </a:endParaRPr>
+          </a:p>
+          <a:p>
+            <a:pPr marL="0" lvl="0" indent="0" algn="l" rtl="0">
+              <a:spcBef>
+                <a:spcPts val="0"/>
+              </a:spcBef>
+              <a:spcAft>
+                <a:spcPts val="0"/>
+              </a:spcAft>
+              <a:buNone/>
+            </a:pPr>
+            <a:endParaRPr sz="4000" dirty="0">
+              <a:solidFill>
+                <a:schemeClr val="dk1"/>
+              </a:solidFill>
+            </a:endParaRPr>
+          </a:p>
+          <a:p>
+            <a:pPr marL="0" lvl="0" indent="0" algn="l" rtl="0">
+              <a:spcBef>
+                <a:spcPts val="1200"/>
+              </a:spcBef>
+              <a:spcAft>
+                <a:spcPts val="0"/>
+              </a:spcAft>
+              <a:buNone/>
+            </a:pPr>
+            <a:endParaRPr sz="4000" dirty="0">
+              <a:solidFill>
+                <a:schemeClr val="dk1"/>
+              </a:solidFill>
+            </a:endParaRPr>
+          </a:p>
+          <a:p>
+            <a:pPr marL="0" lvl="0" indent="0" algn="l" rtl="0">
+              <a:spcBef>
+                <a:spcPts val="1200"/>
+              </a:spcBef>
+              <a:spcAft>
+                <a:spcPts val="0"/>
+              </a:spcAft>
+              <a:buNone/>
+            </a:pPr>
+            <a:endParaRPr sz="4000" dirty="0">
+              <a:solidFill>
+                <a:schemeClr val="dk1"/>
+              </a:solidFill>
+            </a:endParaRPr>
+          </a:p>
+          <a:p>
+            <a:pPr marL="0" lvl="0" indent="0" algn="l" rtl="0">
               <a:spcBef>
                 <a:spcPts val="1200"/>
               </a:spcBef>
@@ -13088,13 +13779,61 @@
       </p:sp>
       <p:sp>
         <p:nvSpPr>
-          <p:cNvPr id="75" name="Google Shape;75;p15"/>
+          <p:cNvPr id="85" name="Google Shape;85;p15"/>
+          <p:cNvSpPr/>
+          <p:nvPr/>
+        </p:nvSpPr>
+        <p:spPr>
+          <a:xfrm>
+            <a:off x="332525" y="3501436"/>
+            <a:ext cx="3997500" cy="572700"/>
+          </a:xfrm>
+          <a:prstGeom prst="homePlate">
+            <a:avLst>
+              <a:gd name="adj" fmla="val 50000"/>
+            </a:avLst>
+          </a:prstGeom>
+          <a:solidFill>
+            <a:srgbClr val="CCCCCC"/>
+          </a:solidFill>
+          <a:ln w="9525" cap="flat" cmpd="sng">
+            <a:solidFill>
+              <a:schemeClr val="dk2"/>
+            </a:solidFill>
+            <a:prstDash val="solid"/>
+            <a:round/>
+            <a:headEnd type="none" w="sm" len="sm"/>
+            <a:tailEnd type="none" w="sm" len="sm"/>
+          </a:ln>
+        </p:spPr>
+        <p:txBody>
+          <a:bodyPr spcFirstLastPara="1" wrap="square" lIns="91425" tIns="91425" rIns="91425" bIns="91425" anchor="ctr" anchorCtr="0">
+            <a:noAutofit/>
+          </a:bodyPr>
+          <a:lstStyle/>
+          <a:p>
+            <a:pPr marL="0" lvl="0" indent="0" algn="l" rtl="0">
+              <a:spcBef>
+                <a:spcPts val="0"/>
+              </a:spcBef>
+              <a:spcAft>
+                <a:spcPts val="0"/>
+              </a:spcAft>
+              <a:buNone/>
+            </a:pPr>
+            <a:endParaRPr/>
+          </a:p>
+        </p:txBody>
+      </p:sp>
+      <p:sp>
+        <p:nvSpPr>
+          <p:cNvPr id="86" name="Google Shape;86;p15"/>
           <p:cNvSpPr/>
           <p:nvPr/>
         </p:nvSpPr>
         <p:spPr>
           <a:xfrm rot="10800000">
-            <a:off x="4682525" y="1482108"/>
+            <a:off x="4683725" y="3501448"/>
             <a:ext cx="4153200" cy="572700"/>
           </a:xfrm>
           <a:prstGeom prst="homePlate">
@@ -13136,7 +13875,7 @@
       </p:sp>
       <p:sp>
         <p:nvSpPr>
-          <p:cNvPr id="76" name="Google Shape;76;p15"/>
+          <p:cNvPr id="87" name="Google Shape;87;p15"/>
           <p:cNvSpPr txBox="1">
             <a:spLocks noGrp="1"/>
           </p:cNvSpPr>
@@ -13146,8 +13885,8 @@
         </p:nvSpPr>
         <p:spPr>
           <a:xfrm>
-            <a:off x="5387525" y="1597660"/>
-            <a:ext cx="3448800" cy="409325"/>
+            <a:off x="332525" y="3616886"/>
+            <a:ext cx="4154400" cy="402300"/>
           </a:xfrm>
           <a:prstGeom prst="rect">
             <a:avLst/>
@@ -13155,11 +13894,11 @@
         </p:spPr>
         <p:txBody>
           <a:bodyPr spcFirstLastPara="1" wrap="square" lIns="91425" tIns="91425" rIns="91425" bIns="91425" anchor="t" anchorCtr="0">
-            <a:normAutofit fontScale="25000" lnSpcReduction="20000"/>
+            <a:normAutofit/>
           </a:bodyPr>
           <a:lstStyle/>
           <a:p>
-            <a:pPr marL="0" lvl="0" indent="0" algn="r" rtl="0">
+            <a:pPr marL="0" lvl="0" indent="0" algn="l" rtl="0">
               <a:lnSpc>
                 <a:spcPct val="100000"/>
               </a:lnSpc>
@@ -13172,21 +13911,97 @@
               <a:buNone/>
             </a:pPr>
             <a:r>
-              <a:rPr lang="fr" sz="4600" dirty="0">
+              <a:rPr lang="fr" sz="1200" dirty="0">
                 <a:solidFill>
                   <a:schemeClr val="dk1"/>
                 </a:solidFill>
               </a:rPr>
-              <a:t>THEN </a:t>
+              <a:t>WHEN I</a:t>
             </a:r>
             <a:r>
-              <a:rPr lang="en-CA" sz="4600" dirty="0">
+              <a:rPr lang="en-CA" sz="1200" dirty="0">
                 <a:solidFill>
                   <a:schemeClr val="dk1"/>
                 </a:solidFill>
               </a:rPr>
-              <a:t>I am presented with a contact form</a:t>
+              <a:t> click on Logout</a:t>
             </a:r>
+            <a:endParaRPr sz="1200" dirty="0">
+              <a:solidFill>
+                <a:schemeClr val="dk1"/>
+              </a:solidFill>
+            </a:endParaRPr>
+          </a:p>
+          <a:p>
+            <a:pPr marL="0" lvl="0" indent="0" algn="l" rtl="0">
+              <a:lnSpc>
+                <a:spcPct val="100000"/>
+              </a:lnSpc>
+              <a:spcBef>
+                <a:spcPts val="0"/>
+              </a:spcBef>
+              <a:spcAft>
+                <a:spcPts val="0"/>
+              </a:spcAft>
+              <a:buNone/>
+            </a:pPr>
+            <a:endParaRPr sz="4000" dirty="0">
+              <a:solidFill>
+                <a:schemeClr val="dk1"/>
+              </a:solidFill>
+            </a:endParaRPr>
+          </a:p>
+          <a:p>
+            <a:pPr marL="0" lvl="0" indent="0" algn="l" rtl="0">
+              <a:lnSpc>
+                <a:spcPct val="100000"/>
+              </a:lnSpc>
+              <a:spcBef>
+                <a:spcPts val="0"/>
+              </a:spcBef>
+              <a:spcAft>
+                <a:spcPts val="0"/>
+              </a:spcAft>
+              <a:buNone/>
+            </a:pPr>
+            <a:endParaRPr sz="4000" dirty="0">
+              <a:solidFill>
+                <a:schemeClr val="dk1"/>
+              </a:solidFill>
+            </a:endParaRPr>
+          </a:p>
+          <a:p>
+            <a:pPr marL="0" lvl="0" indent="0" algn="l" rtl="0">
+              <a:lnSpc>
+                <a:spcPct val="100000"/>
+              </a:lnSpc>
+              <a:spcBef>
+                <a:spcPts val="0"/>
+              </a:spcBef>
+              <a:spcAft>
+                <a:spcPts val="0"/>
+              </a:spcAft>
+              <a:buNone/>
+            </a:pPr>
+            <a:endParaRPr sz="4000" dirty="0">
+              <a:solidFill>
+                <a:srgbClr val="000000"/>
+              </a:solidFill>
+            </a:endParaRPr>
+          </a:p>
+          <a:p>
+            <a:pPr marL="0" lvl="0" indent="0" algn="l" rtl="0">
+              <a:lnSpc>
+                <a:spcPct val="100000"/>
+              </a:lnSpc>
+              <a:spcBef>
+                <a:spcPts val="0"/>
+              </a:spcBef>
+              <a:spcAft>
+                <a:spcPts val="0"/>
+              </a:spcAft>
+              <a:buNone/>
+            </a:pPr>
             <a:endParaRPr sz="4600" dirty="0">
               <a:solidFill>
                 <a:schemeClr val="dk1"/>
@@ -13195,9 +14010,6 @@
           </a:p>
           <a:p>
             <a:pPr marL="0" lvl="0" indent="0" algn="l" rtl="0">
-              <a:lnSpc>
-                <a:spcPct val="100000"/>
-              </a:lnSpc>
               <a:spcBef>
                 <a:spcPts val="0"/>
               </a:spcBef>
@@ -13214,11 +14026,8 @@
           </a:p>
           <a:p>
             <a:pPr marL="0" lvl="0" indent="0" algn="l" rtl="0">
-              <a:lnSpc>
-                <a:spcPct val="100000"/>
-              </a:lnSpc>
-              <a:spcBef>
-                <a:spcPts val="0"/>
+              <a:spcBef>
+                <a:spcPts val="1200"/>
               </a:spcBef>
               <a:spcAft>
                 <a:spcPts val="0"/>
@@ -13234,7 +14043,7 @@
           <a:p>
             <a:pPr marL="0" lvl="0" indent="0" algn="l" rtl="0">
               <a:spcBef>
-                <a:spcPts val="0"/>
+                <a:spcPts val="1200"/>
               </a:spcBef>
               <a:spcAft>
                 <a:spcPts val="0"/>
@@ -13253,11 +14062,60 @@
                 <a:spcPts val="1200"/>
               </a:spcBef>
               <a:spcAft>
-                <a:spcPts val="0"/>
-              </a:spcAft>
-              <a:buNone/>
-            </a:pPr>
-            <a:endParaRPr sz="4000" dirty="0">
+                <a:spcPts val="1200"/>
+              </a:spcAft>
+              <a:buNone/>
+            </a:pPr>
+            <a:endParaRPr sz="4000" dirty="0"/>
+          </a:p>
+        </p:txBody>
+      </p:sp>
+      <p:sp>
+        <p:nvSpPr>
+          <p:cNvPr id="88" name="Google Shape;88;p15"/>
+          <p:cNvSpPr txBox="1">
+            <a:spLocks noGrp="1"/>
+          </p:cNvSpPr>
+          <p:nvPr>
+            <p:ph type="body" idx="1"/>
+          </p:nvPr>
+        </p:nvSpPr>
+        <p:spPr>
+          <a:xfrm>
+            <a:off x="4839425" y="3425630"/>
+            <a:ext cx="4047826" cy="452400"/>
+          </a:xfrm>
+          <a:prstGeom prst="rect">
+            <a:avLst/>
+          </a:prstGeom>
+        </p:spPr>
+        <p:txBody>
+          <a:bodyPr spcFirstLastPara="1" wrap="square" lIns="91425" tIns="91425" rIns="91425" bIns="91425" anchor="t" anchorCtr="0">
+            <a:noAutofit/>
+          </a:bodyPr>
+          <a:lstStyle/>
+          <a:p>
+            <a:pPr marL="0" lvl="0" indent="0" algn="r" rtl="0">
+              <a:lnSpc>
+                <a:spcPct val="100000"/>
+              </a:lnSpc>
+              <a:spcBef>
+                <a:spcPts val="0"/>
+              </a:spcBef>
+              <a:spcAft>
+                <a:spcPts val="0"/>
+              </a:spcAft>
+              <a:buNone/>
+            </a:pPr>
+            <a:r>
+              <a:rPr lang="fr" sz="1200" dirty="0">
+                <a:solidFill>
+                  <a:schemeClr val="dk1"/>
+                </a:solidFill>
+              </a:rPr>
+              <a:t>THEN  I am logged out of my account and my dashboard, adoption form and donations pages are not longer available</a:t>
+            </a:r>
+            <a:endParaRPr sz="1200" dirty="0">
               <a:solidFill>
                 <a:schemeClr val="dk1"/>
               </a:solidFill>
@@ -13265,15 +14123,18 @@
           </a:p>
           <a:p>
             <a:pPr marL="0" lvl="0" indent="0" algn="l" rtl="0">
-              <a:spcBef>
-                <a:spcPts val="1200"/>
-              </a:spcBef>
-              <a:spcAft>
-                <a:spcPts val="0"/>
-              </a:spcAft>
-              <a:buNone/>
-            </a:pPr>
-            <a:endParaRPr sz="4000" dirty="0">
+              <a:lnSpc>
+                <a:spcPct val="100000"/>
+              </a:lnSpc>
+              <a:spcBef>
+                <a:spcPts val="0"/>
+              </a:spcBef>
+              <a:spcAft>
+                <a:spcPts val="0"/>
+              </a:spcAft>
+              <a:buNone/>
+            </a:pPr>
+            <a:endParaRPr sz="1200" dirty="0">
               <a:solidFill>
                 <a:schemeClr val="dk1"/>
               </a:solidFill>
@@ -13282,27 +14143,75 @@
           <a:p>
             <a:pPr marL="0" lvl="0" indent="0" algn="l" rtl="0">
               <a:spcBef>
+                <a:spcPts val="0"/>
+              </a:spcBef>
+              <a:spcAft>
+                <a:spcPts val="0"/>
+              </a:spcAft>
+              <a:buNone/>
+            </a:pPr>
+            <a:endParaRPr sz="1200" dirty="0">
+              <a:solidFill>
+                <a:schemeClr val="dk1"/>
+              </a:solidFill>
+            </a:endParaRPr>
+          </a:p>
+          <a:p>
+            <a:pPr marL="0" lvl="0" indent="0" algn="l" rtl="0">
+              <a:spcBef>
                 <a:spcPts val="1200"/>
               </a:spcBef>
               <a:spcAft>
+                <a:spcPts val="0"/>
+              </a:spcAft>
+              <a:buNone/>
+            </a:pPr>
+            <a:endParaRPr sz="1200" dirty="0">
+              <a:solidFill>
+                <a:schemeClr val="dk1"/>
+              </a:solidFill>
+            </a:endParaRPr>
+          </a:p>
+          <a:p>
+            <a:pPr marL="0" lvl="0" indent="0" algn="l" rtl="0">
+              <a:spcBef>
                 <a:spcPts val="1200"/>
-              </a:spcAft>
-              <a:buNone/>
-            </a:pPr>
-            <a:endParaRPr sz="4000" dirty="0"/>
+              </a:spcBef>
+              <a:spcAft>
+                <a:spcPts val="0"/>
+              </a:spcAft>
+              <a:buNone/>
+            </a:pPr>
+            <a:endParaRPr sz="1200" dirty="0">
+              <a:solidFill>
+                <a:schemeClr val="dk1"/>
+              </a:solidFill>
+            </a:endParaRPr>
+          </a:p>
+          <a:p>
+            <a:pPr marL="0" lvl="0" indent="0" algn="l" rtl="0">
+              <a:spcBef>
+                <a:spcPts val="1200"/>
+              </a:spcBef>
+              <a:spcAft>
+                <a:spcPts val="1200"/>
+              </a:spcAft>
+              <a:buNone/>
+            </a:pPr>
+            <a:endParaRPr sz="1200" dirty="0"/>
           </a:p>
         </p:txBody>
       </p:sp>
       <p:sp>
         <p:nvSpPr>
-          <p:cNvPr id="77" name="Google Shape;77;p15"/>
+          <p:cNvPr id="89" name="Google Shape;89;p15"/>
           <p:cNvSpPr/>
           <p:nvPr/>
         </p:nvSpPr>
         <p:spPr>
           <a:xfrm>
-            <a:off x="332525" y="2064734"/>
-            <a:ext cx="3997500" cy="705449"/>
+            <a:off x="332525" y="4120761"/>
+            <a:ext cx="3997500" cy="572700"/>
           </a:xfrm>
           <a:prstGeom prst="homePlate">
             <a:avLst>
@@ -13343,61 +14252,202 @@
       </p:sp>
       <p:sp>
         <p:nvSpPr>
-          <p:cNvPr id="78" name="Google Shape;78;p15"/>
+          <p:cNvPr id="90" name="Google Shape;90;p15"/>
+          <p:cNvSpPr txBox="1">
+            <a:spLocks noGrp="1"/>
+          </p:cNvSpPr>
+          <p:nvPr>
+            <p:ph type="body" idx="1"/>
+          </p:nvPr>
+        </p:nvSpPr>
+        <p:spPr>
+          <a:xfrm>
+            <a:off x="332525" y="4231511"/>
+            <a:ext cx="4154400" cy="402300"/>
+          </a:xfrm>
+          <a:prstGeom prst="rect">
+            <a:avLst/>
+          </a:prstGeom>
+        </p:spPr>
+        <p:txBody>
+          <a:bodyPr spcFirstLastPara="1" wrap="square" lIns="91425" tIns="91425" rIns="91425" bIns="91425" anchor="t" anchorCtr="0">
+            <a:normAutofit/>
+          </a:bodyPr>
+          <a:lstStyle/>
+          <a:p>
+            <a:pPr marL="0" lvl="0" indent="0" algn="l" rtl="0">
+              <a:lnSpc>
+                <a:spcPct val="100000"/>
+              </a:lnSpc>
+              <a:spcBef>
+                <a:spcPts val="0"/>
+              </a:spcBef>
+              <a:spcAft>
+                <a:spcPts val="0"/>
+              </a:spcAft>
+              <a:buNone/>
+            </a:pPr>
+            <a:r>
+              <a:rPr lang="fr" sz="1200" dirty="0">
+                <a:solidFill>
+                  <a:schemeClr val="dk1"/>
+                </a:solidFill>
+              </a:rPr>
+              <a:t>WHEN I visit the Calendar page</a:t>
+            </a:r>
+            <a:endParaRPr sz="1200" dirty="0">
+              <a:solidFill>
+                <a:schemeClr val="dk1"/>
+              </a:solidFill>
+            </a:endParaRPr>
+          </a:p>
+          <a:p>
+            <a:pPr marL="0" lvl="0" indent="0" algn="l" rtl="0">
+              <a:lnSpc>
+                <a:spcPct val="100000"/>
+              </a:lnSpc>
+              <a:spcBef>
+                <a:spcPts val="0"/>
+              </a:spcBef>
+              <a:spcAft>
+                <a:spcPts val="0"/>
+              </a:spcAft>
+              <a:buNone/>
+            </a:pPr>
+            <a:endParaRPr sz="4000" dirty="0">
+              <a:solidFill>
+                <a:schemeClr val="dk1"/>
+              </a:solidFill>
+            </a:endParaRPr>
+          </a:p>
+          <a:p>
+            <a:pPr marL="0" lvl="0" indent="0" algn="l" rtl="0">
+              <a:lnSpc>
+                <a:spcPct val="100000"/>
+              </a:lnSpc>
+              <a:spcBef>
+                <a:spcPts val="0"/>
+              </a:spcBef>
+              <a:spcAft>
+                <a:spcPts val="0"/>
+              </a:spcAft>
+              <a:buNone/>
+            </a:pPr>
+            <a:endParaRPr sz="4000" dirty="0">
+              <a:solidFill>
+                <a:schemeClr val="dk1"/>
+              </a:solidFill>
+            </a:endParaRPr>
+          </a:p>
+          <a:p>
+            <a:pPr marL="0" lvl="0" indent="0" algn="l" rtl="0">
+              <a:lnSpc>
+                <a:spcPct val="100000"/>
+              </a:lnSpc>
+              <a:spcBef>
+                <a:spcPts val="0"/>
+              </a:spcBef>
+              <a:spcAft>
+                <a:spcPts val="0"/>
+              </a:spcAft>
+              <a:buNone/>
+            </a:pPr>
+            <a:endParaRPr sz="4000" dirty="0">
+              <a:solidFill>
+                <a:srgbClr val="000000"/>
+              </a:solidFill>
+            </a:endParaRPr>
+          </a:p>
+          <a:p>
+            <a:pPr marL="0" lvl="0" indent="0" algn="l" rtl="0">
+              <a:lnSpc>
+                <a:spcPct val="100000"/>
+              </a:lnSpc>
+              <a:spcBef>
+                <a:spcPts val="0"/>
+              </a:spcBef>
+              <a:spcAft>
+                <a:spcPts val="0"/>
+              </a:spcAft>
+              <a:buNone/>
+            </a:pPr>
+            <a:endParaRPr sz="4600" dirty="0">
+              <a:solidFill>
+                <a:schemeClr val="dk1"/>
+              </a:solidFill>
+            </a:endParaRPr>
+          </a:p>
+          <a:p>
+            <a:pPr marL="0" lvl="0" indent="0" algn="l" rtl="0">
+              <a:spcBef>
+                <a:spcPts val="0"/>
+              </a:spcBef>
+              <a:spcAft>
+                <a:spcPts val="0"/>
+              </a:spcAft>
+              <a:buNone/>
+            </a:pPr>
+            <a:endParaRPr sz="4000" dirty="0">
+              <a:solidFill>
+                <a:schemeClr val="dk1"/>
+              </a:solidFill>
+            </a:endParaRPr>
+          </a:p>
+          <a:p>
+            <a:pPr marL="0" lvl="0" indent="0" algn="l" rtl="0">
+              <a:spcBef>
+                <a:spcPts val="1200"/>
+              </a:spcBef>
+              <a:spcAft>
+                <a:spcPts val="0"/>
+              </a:spcAft>
+              <a:buNone/>
+            </a:pPr>
+            <a:endParaRPr sz="4000" dirty="0">
+              <a:solidFill>
+                <a:schemeClr val="dk1"/>
+              </a:solidFill>
+            </a:endParaRPr>
+          </a:p>
+          <a:p>
+            <a:pPr marL="0" lvl="0" indent="0" algn="l" rtl="0">
+              <a:spcBef>
+                <a:spcPts val="1200"/>
+              </a:spcBef>
+              <a:spcAft>
+                <a:spcPts val="0"/>
+              </a:spcAft>
+              <a:buNone/>
+            </a:pPr>
+            <a:endParaRPr sz="4000" dirty="0">
+              <a:solidFill>
+                <a:schemeClr val="dk1"/>
+              </a:solidFill>
+            </a:endParaRPr>
+          </a:p>
+          <a:p>
+            <a:pPr marL="0" lvl="0" indent="0" algn="l" rtl="0">
+              <a:spcBef>
+                <a:spcPts val="1200"/>
+              </a:spcBef>
+              <a:spcAft>
+                <a:spcPts val="1200"/>
+              </a:spcAft>
+              <a:buNone/>
+            </a:pPr>
+            <a:endParaRPr sz="4000" dirty="0"/>
+          </a:p>
+        </p:txBody>
+      </p:sp>
+      <p:sp>
+        <p:nvSpPr>
+          <p:cNvPr id="91" name="Google Shape;91;p15"/>
           <p:cNvSpPr/>
           <p:nvPr/>
         </p:nvSpPr>
         <p:spPr>
           <a:xfrm rot="10800000">
-            <a:off x="4683725" y="2084849"/>
-            <a:ext cx="4153200" cy="705448"/>
-          </a:xfrm>
-          <a:prstGeom prst="homePlate">
-            <a:avLst>
-              <a:gd name="adj" fmla="val 50000"/>
-            </a:avLst>
-          </a:prstGeom>
-          <a:solidFill>
-            <a:schemeClr val="accent1"/>
-          </a:solidFill>
-          <a:ln w="9525" cap="flat" cmpd="sng">
-            <a:solidFill>
-              <a:schemeClr val="dk2"/>
-            </a:solidFill>
-            <a:prstDash val="solid"/>
-            <a:round/>
-            <a:headEnd type="none" w="sm" len="sm"/>
-            <a:tailEnd type="none" w="sm" len="sm"/>
-          </a:ln>
-        </p:spPr>
-        <p:txBody>
-          <a:bodyPr spcFirstLastPara="1" wrap="square" lIns="91425" tIns="91425" rIns="91425" bIns="91425" anchor="ctr" anchorCtr="0">
-            <a:noAutofit/>
-          </a:bodyPr>
-          <a:lstStyle/>
-          <a:p>
-            <a:pPr marL="0" lvl="0" indent="0" algn="l" rtl="0">
-              <a:spcBef>
-                <a:spcPts val="0"/>
-              </a:spcBef>
-              <a:spcAft>
-                <a:spcPts val="0"/>
-              </a:spcAft>
-              <a:buNone/>
-            </a:pPr>
-            <a:endParaRPr/>
-          </a:p>
-        </p:txBody>
-      </p:sp>
-      <p:sp>
-        <p:nvSpPr>
-          <p:cNvPr id="79" name="Google Shape;79;p15"/>
-          <p:cNvSpPr/>
-          <p:nvPr/>
-        </p:nvSpPr>
-        <p:spPr>
-          <a:xfrm rot="10800000">
-            <a:off x="4683725" y="2868161"/>
+            <a:off x="4683725" y="4120773"/>
             <a:ext cx="4153200" cy="572700"/>
           </a:xfrm>
           <a:prstGeom prst="homePlate">
@@ -13439,1357 +14489,6 @@
       </p:sp>
       <p:sp>
         <p:nvSpPr>
-          <p:cNvPr id="80" name="Google Shape;80;p15"/>
-          <p:cNvSpPr txBox="1">
-            <a:spLocks noGrp="1"/>
-          </p:cNvSpPr>
-          <p:nvPr>
-            <p:ph type="body" idx="1"/>
-          </p:nvPr>
-        </p:nvSpPr>
-        <p:spPr>
-          <a:xfrm>
-            <a:off x="4839425" y="2157005"/>
-            <a:ext cx="3997500" cy="598465"/>
-          </a:xfrm>
-          <a:prstGeom prst="rect">
-            <a:avLst/>
-          </a:prstGeom>
-        </p:spPr>
-        <p:txBody>
-          <a:bodyPr spcFirstLastPara="1" wrap="square" lIns="91425" tIns="91425" rIns="91425" bIns="91425" anchor="t" anchorCtr="0">
-            <a:normAutofit/>
-          </a:bodyPr>
-          <a:lstStyle/>
-          <a:p>
-            <a:pPr marL="0" lvl="0" indent="0" algn="r" rtl="0">
-              <a:lnSpc>
-                <a:spcPct val="100000"/>
-              </a:lnSpc>
-              <a:spcBef>
-                <a:spcPts val="0"/>
-              </a:spcBef>
-              <a:spcAft>
-                <a:spcPts val="0"/>
-              </a:spcAft>
-              <a:buNone/>
-            </a:pPr>
-            <a:r>
-              <a:rPr lang="en-CA" sz="1200" dirty="0">
-                <a:solidFill>
-                  <a:schemeClr val="dk1"/>
-                </a:solidFill>
-              </a:rPr>
-              <a:t>THEN an email is sent to the website owner so that they may get in touch with me</a:t>
-            </a:r>
-            <a:endParaRPr sz="1200" dirty="0">
-              <a:solidFill>
-                <a:schemeClr val="dk1"/>
-              </a:solidFill>
-            </a:endParaRPr>
-          </a:p>
-          <a:p>
-            <a:pPr marL="0" lvl="0" indent="0" algn="l" rtl="0">
-              <a:spcBef>
-                <a:spcPts val="0"/>
-              </a:spcBef>
-              <a:spcAft>
-                <a:spcPts val="0"/>
-              </a:spcAft>
-              <a:buNone/>
-            </a:pPr>
-            <a:endParaRPr sz="1200" dirty="0">
-              <a:solidFill>
-                <a:schemeClr val="dk1"/>
-              </a:solidFill>
-            </a:endParaRPr>
-          </a:p>
-          <a:p>
-            <a:pPr marL="0" lvl="0" indent="0" algn="l" rtl="0">
-              <a:spcBef>
-                <a:spcPts val="1200"/>
-              </a:spcBef>
-              <a:spcAft>
-                <a:spcPts val="0"/>
-              </a:spcAft>
-              <a:buNone/>
-            </a:pPr>
-            <a:endParaRPr sz="1200" dirty="0">
-              <a:solidFill>
-                <a:schemeClr val="dk1"/>
-              </a:solidFill>
-            </a:endParaRPr>
-          </a:p>
-          <a:p>
-            <a:pPr marL="0" lvl="0" indent="0" algn="l" rtl="0">
-              <a:spcBef>
-                <a:spcPts val="1200"/>
-              </a:spcBef>
-              <a:spcAft>
-                <a:spcPts val="0"/>
-              </a:spcAft>
-              <a:buNone/>
-            </a:pPr>
-            <a:endParaRPr sz="1200" dirty="0">
-              <a:solidFill>
-                <a:schemeClr val="dk1"/>
-              </a:solidFill>
-            </a:endParaRPr>
-          </a:p>
-          <a:p>
-            <a:pPr marL="0" lvl="0" indent="0" algn="l" rtl="0">
-              <a:spcBef>
-                <a:spcPts val="1200"/>
-              </a:spcBef>
-              <a:spcAft>
-                <a:spcPts val="1200"/>
-              </a:spcAft>
-              <a:buNone/>
-            </a:pPr>
-            <a:endParaRPr sz="1200" dirty="0"/>
-          </a:p>
-        </p:txBody>
-      </p:sp>
-      <p:sp>
-        <p:nvSpPr>
-          <p:cNvPr id="81" name="Google Shape;81;p15"/>
-          <p:cNvSpPr txBox="1">
-            <a:spLocks noGrp="1"/>
-          </p:cNvSpPr>
-          <p:nvPr>
-            <p:ph type="body" idx="1"/>
-          </p:nvPr>
-        </p:nvSpPr>
-        <p:spPr>
-          <a:xfrm>
-            <a:off x="5090686" y="2861060"/>
-            <a:ext cx="3795532" cy="566261"/>
-          </a:xfrm>
-          <a:prstGeom prst="rect">
-            <a:avLst/>
-          </a:prstGeom>
-        </p:spPr>
-        <p:txBody>
-          <a:bodyPr spcFirstLastPara="1" wrap="square" lIns="91425" tIns="91425" rIns="91425" bIns="91425" anchor="t" anchorCtr="0">
-            <a:normAutofit/>
-          </a:bodyPr>
-          <a:lstStyle/>
-          <a:p>
-            <a:pPr marL="0" lvl="0" indent="0" algn="r" rtl="0">
-              <a:lnSpc>
-                <a:spcPct val="100000"/>
-              </a:lnSpc>
-              <a:spcBef>
-                <a:spcPts val="0"/>
-              </a:spcBef>
-              <a:spcAft>
-                <a:spcPts val="0"/>
-              </a:spcAft>
-              <a:buNone/>
-            </a:pPr>
-            <a:r>
-              <a:rPr lang="en-CA" sz="1200" dirty="0">
-                <a:solidFill>
-                  <a:schemeClr val="dk1"/>
-                </a:solidFill>
-              </a:rPr>
-              <a:t>THEN donations…..</a:t>
-            </a:r>
-            <a:endParaRPr sz="1200" dirty="0">
-              <a:solidFill>
-                <a:schemeClr val="dk1"/>
-              </a:solidFill>
-            </a:endParaRPr>
-          </a:p>
-          <a:p>
-            <a:pPr marL="0" lvl="0" indent="0" algn="l" rtl="0">
-              <a:lnSpc>
-                <a:spcPct val="100000"/>
-              </a:lnSpc>
-              <a:spcBef>
-                <a:spcPts val="0"/>
-              </a:spcBef>
-              <a:spcAft>
-                <a:spcPts val="0"/>
-              </a:spcAft>
-              <a:buNone/>
-            </a:pPr>
-            <a:endParaRPr sz="1200" dirty="0">
-              <a:solidFill>
-                <a:schemeClr val="dk1"/>
-              </a:solidFill>
-            </a:endParaRPr>
-          </a:p>
-          <a:p>
-            <a:pPr marL="0" lvl="0" indent="0" algn="l" rtl="0">
-              <a:lnSpc>
-                <a:spcPct val="100000"/>
-              </a:lnSpc>
-              <a:spcBef>
-                <a:spcPts val="0"/>
-              </a:spcBef>
-              <a:spcAft>
-                <a:spcPts val="0"/>
-              </a:spcAft>
-              <a:buNone/>
-            </a:pPr>
-            <a:endParaRPr sz="1200" dirty="0">
-              <a:solidFill>
-                <a:schemeClr val="dk1"/>
-              </a:solidFill>
-            </a:endParaRPr>
-          </a:p>
-          <a:p>
-            <a:pPr marL="0" lvl="0" indent="0" algn="l" rtl="0">
-              <a:spcBef>
-                <a:spcPts val="0"/>
-              </a:spcBef>
-              <a:spcAft>
-                <a:spcPts val="0"/>
-              </a:spcAft>
-              <a:buNone/>
-            </a:pPr>
-            <a:endParaRPr sz="1200" dirty="0">
-              <a:solidFill>
-                <a:schemeClr val="dk1"/>
-              </a:solidFill>
-            </a:endParaRPr>
-          </a:p>
-          <a:p>
-            <a:pPr marL="0" lvl="0" indent="0" algn="l" rtl="0">
-              <a:spcBef>
-                <a:spcPts val="1200"/>
-              </a:spcBef>
-              <a:spcAft>
-                <a:spcPts val="0"/>
-              </a:spcAft>
-              <a:buNone/>
-            </a:pPr>
-            <a:endParaRPr sz="1200" dirty="0">
-              <a:solidFill>
-                <a:schemeClr val="dk1"/>
-              </a:solidFill>
-            </a:endParaRPr>
-          </a:p>
-          <a:p>
-            <a:pPr marL="0" lvl="0" indent="0" algn="l" rtl="0">
-              <a:spcBef>
-                <a:spcPts val="1200"/>
-              </a:spcBef>
-              <a:spcAft>
-                <a:spcPts val="0"/>
-              </a:spcAft>
-              <a:buNone/>
-            </a:pPr>
-            <a:endParaRPr sz="1200" dirty="0">
-              <a:solidFill>
-                <a:schemeClr val="dk1"/>
-              </a:solidFill>
-            </a:endParaRPr>
-          </a:p>
-          <a:p>
-            <a:pPr marL="0" lvl="0" indent="0" algn="l" rtl="0">
-              <a:spcBef>
-                <a:spcPts val="1200"/>
-              </a:spcBef>
-              <a:spcAft>
-                <a:spcPts val="1200"/>
-              </a:spcAft>
-              <a:buNone/>
-            </a:pPr>
-            <a:endParaRPr sz="1200" dirty="0"/>
-          </a:p>
-        </p:txBody>
-      </p:sp>
-      <p:sp>
-        <p:nvSpPr>
-          <p:cNvPr id="82" name="Google Shape;82;p15"/>
-          <p:cNvSpPr txBox="1">
-            <a:spLocks noGrp="1"/>
-          </p:cNvSpPr>
-          <p:nvPr>
-            <p:ph type="body" idx="1"/>
-          </p:nvPr>
-        </p:nvSpPr>
-        <p:spPr>
-          <a:xfrm>
-            <a:off x="332525" y="2235483"/>
-            <a:ext cx="3900039" cy="402300"/>
-          </a:xfrm>
-          <a:prstGeom prst="rect">
-            <a:avLst/>
-          </a:prstGeom>
-        </p:spPr>
-        <p:txBody>
-          <a:bodyPr spcFirstLastPara="1" wrap="square" lIns="91425" tIns="91425" rIns="91425" bIns="91425" anchor="t" anchorCtr="0">
-            <a:normAutofit fontScale="25000" lnSpcReduction="20000"/>
-          </a:bodyPr>
-          <a:lstStyle/>
-          <a:p>
-            <a:pPr marL="0" lvl="0" indent="0" algn="l" rtl="0">
-              <a:lnSpc>
-                <a:spcPct val="100000"/>
-              </a:lnSpc>
-              <a:spcBef>
-                <a:spcPts val="0"/>
-              </a:spcBef>
-              <a:spcAft>
-                <a:spcPts val="0"/>
-              </a:spcAft>
-              <a:buNone/>
-            </a:pPr>
-            <a:r>
-              <a:rPr lang="fr" sz="4600" dirty="0">
-                <a:solidFill>
-                  <a:schemeClr val="dk1"/>
-                </a:solidFill>
-              </a:rPr>
-              <a:t>WHEN </a:t>
-            </a:r>
-            <a:r>
-              <a:rPr lang="en-CA" sz="4600" dirty="0">
-                <a:solidFill>
-                  <a:schemeClr val="dk1"/>
-                </a:solidFill>
-              </a:rPr>
-              <a:t>I enter my information in the form and click Submit</a:t>
-            </a:r>
-            <a:endParaRPr sz="4600" dirty="0">
-              <a:solidFill>
-                <a:schemeClr val="dk1"/>
-              </a:solidFill>
-            </a:endParaRPr>
-          </a:p>
-          <a:p>
-            <a:pPr marL="0" lvl="0" indent="0" algn="l" rtl="0">
-              <a:spcBef>
-                <a:spcPts val="0"/>
-              </a:spcBef>
-              <a:spcAft>
-                <a:spcPts val="0"/>
-              </a:spcAft>
-              <a:buNone/>
-            </a:pPr>
-            <a:endParaRPr sz="4000" dirty="0">
-              <a:solidFill>
-                <a:schemeClr val="dk1"/>
-              </a:solidFill>
-            </a:endParaRPr>
-          </a:p>
-          <a:p>
-            <a:pPr marL="0" lvl="0" indent="0" algn="l" rtl="0">
-              <a:spcBef>
-                <a:spcPts val="1200"/>
-              </a:spcBef>
-              <a:spcAft>
-                <a:spcPts val="0"/>
-              </a:spcAft>
-              <a:buNone/>
-            </a:pPr>
-            <a:endParaRPr sz="4000" dirty="0">
-              <a:solidFill>
-                <a:schemeClr val="dk1"/>
-              </a:solidFill>
-            </a:endParaRPr>
-          </a:p>
-          <a:p>
-            <a:pPr marL="0" lvl="0" indent="0" algn="l" rtl="0">
-              <a:spcBef>
-                <a:spcPts val="1200"/>
-              </a:spcBef>
-              <a:spcAft>
-                <a:spcPts val="0"/>
-              </a:spcAft>
-              <a:buNone/>
-            </a:pPr>
-            <a:endParaRPr sz="4000" dirty="0">
-              <a:solidFill>
-                <a:schemeClr val="dk1"/>
-              </a:solidFill>
-            </a:endParaRPr>
-          </a:p>
-          <a:p>
-            <a:pPr marL="0" lvl="0" indent="0" algn="l" rtl="0">
-              <a:spcBef>
-                <a:spcPts val="1200"/>
-              </a:spcBef>
-              <a:spcAft>
-                <a:spcPts val="1200"/>
-              </a:spcAft>
-              <a:buNone/>
-            </a:pPr>
-            <a:endParaRPr sz="4000" dirty="0"/>
-          </a:p>
-        </p:txBody>
-      </p:sp>
-      <p:sp>
-        <p:nvSpPr>
-          <p:cNvPr id="83" name="Google Shape;83;p15"/>
-          <p:cNvSpPr/>
-          <p:nvPr/>
-        </p:nvSpPr>
-        <p:spPr>
-          <a:xfrm>
-            <a:off x="332525" y="2868149"/>
-            <a:ext cx="3997500" cy="572700"/>
-          </a:xfrm>
-          <a:prstGeom prst="homePlate">
-            <a:avLst>
-              <a:gd name="adj" fmla="val 50000"/>
-            </a:avLst>
-          </a:prstGeom>
-          <a:solidFill>
-            <a:srgbClr val="CCCCCC"/>
-          </a:solidFill>
-          <a:ln w="9525" cap="flat" cmpd="sng">
-            <a:solidFill>
-              <a:schemeClr val="dk2"/>
-            </a:solidFill>
-            <a:prstDash val="solid"/>
-            <a:round/>
-            <a:headEnd type="none" w="sm" len="sm"/>
-            <a:tailEnd type="none" w="sm" len="sm"/>
-          </a:ln>
-        </p:spPr>
-        <p:txBody>
-          <a:bodyPr spcFirstLastPara="1" wrap="square" lIns="91425" tIns="91425" rIns="91425" bIns="91425" anchor="ctr" anchorCtr="0">
-            <a:noAutofit/>
-          </a:bodyPr>
-          <a:lstStyle/>
-          <a:p>
-            <a:pPr marL="0" lvl="0" indent="0" algn="l" rtl="0">
-              <a:spcBef>
-                <a:spcPts val="0"/>
-              </a:spcBef>
-              <a:spcAft>
-                <a:spcPts val="0"/>
-              </a:spcAft>
-              <a:buNone/>
-            </a:pPr>
-            <a:endParaRPr/>
-          </a:p>
-        </p:txBody>
-      </p:sp>
-      <p:sp>
-        <p:nvSpPr>
-          <p:cNvPr id="84" name="Google Shape;84;p15"/>
-          <p:cNvSpPr txBox="1">
-            <a:spLocks noGrp="1"/>
-          </p:cNvSpPr>
-          <p:nvPr>
-            <p:ph type="body" idx="1"/>
-          </p:nvPr>
-        </p:nvSpPr>
-        <p:spPr>
-          <a:xfrm>
-            <a:off x="332525" y="2988299"/>
-            <a:ext cx="4154400" cy="402300"/>
-          </a:xfrm>
-          <a:prstGeom prst="rect">
-            <a:avLst/>
-          </a:prstGeom>
-        </p:spPr>
-        <p:txBody>
-          <a:bodyPr spcFirstLastPara="1" wrap="square" lIns="91425" tIns="91425" rIns="91425" bIns="91425" anchor="t" anchorCtr="0">
-            <a:normAutofit/>
-          </a:bodyPr>
-          <a:lstStyle/>
-          <a:p>
-            <a:pPr marL="0" lvl="0" indent="0" algn="l" rtl="0">
-              <a:lnSpc>
-                <a:spcPct val="100000"/>
-              </a:lnSpc>
-              <a:spcBef>
-                <a:spcPts val="0"/>
-              </a:spcBef>
-              <a:spcAft>
-                <a:spcPts val="0"/>
-              </a:spcAft>
-              <a:buNone/>
-            </a:pPr>
-            <a:r>
-              <a:rPr lang="en-CA" sz="1200" dirty="0">
-                <a:solidFill>
-                  <a:schemeClr val="dk1"/>
-                </a:solidFill>
-              </a:rPr>
-              <a:t>WHEN donations ……</a:t>
-            </a:r>
-            <a:endParaRPr sz="1200" dirty="0">
-              <a:solidFill>
-                <a:schemeClr val="dk1"/>
-              </a:solidFill>
-            </a:endParaRPr>
-          </a:p>
-          <a:p>
-            <a:pPr marL="0" lvl="0" indent="0" algn="l" rtl="0">
-              <a:lnSpc>
-                <a:spcPct val="100000"/>
-              </a:lnSpc>
-              <a:spcBef>
-                <a:spcPts val="0"/>
-              </a:spcBef>
-              <a:spcAft>
-                <a:spcPts val="0"/>
-              </a:spcAft>
-              <a:buNone/>
-            </a:pPr>
-            <a:endParaRPr sz="4000" dirty="0">
-              <a:solidFill>
-                <a:schemeClr val="dk1"/>
-              </a:solidFill>
-            </a:endParaRPr>
-          </a:p>
-          <a:p>
-            <a:pPr marL="0" lvl="0" indent="0" algn="l" rtl="0">
-              <a:lnSpc>
-                <a:spcPct val="100000"/>
-              </a:lnSpc>
-              <a:spcBef>
-                <a:spcPts val="0"/>
-              </a:spcBef>
-              <a:spcAft>
-                <a:spcPts val="0"/>
-              </a:spcAft>
-              <a:buNone/>
-            </a:pPr>
-            <a:endParaRPr sz="4000" dirty="0">
-              <a:solidFill>
-                <a:schemeClr val="dk1"/>
-              </a:solidFill>
-            </a:endParaRPr>
-          </a:p>
-          <a:p>
-            <a:pPr marL="0" lvl="0" indent="0" algn="l" rtl="0">
-              <a:lnSpc>
-                <a:spcPct val="100000"/>
-              </a:lnSpc>
-              <a:spcBef>
-                <a:spcPts val="0"/>
-              </a:spcBef>
-              <a:spcAft>
-                <a:spcPts val="0"/>
-              </a:spcAft>
-              <a:buNone/>
-            </a:pPr>
-            <a:endParaRPr sz="4000" dirty="0">
-              <a:solidFill>
-                <a:schemeClr val="dk1"/>
-              </a:solidFill>
-            </a:endParaRPr>
-          </a:p>
-          <a:p>
-            <a:pPr marL="0" lvl="0" indent="0" algn="l" rtl="0">
-              <a:lnSpc>
-                <a:spcPct val="100000"/>
-              </a:lnSpc>
-              <a:spcBef>
-                <a:spcPts val="0"/>
-              </a:spcBef>
-              <a:spcAft>
-                <a:spcPts val="0"/>
-              </a:spcAft>
-              <a:buNone/>
-            </a:pPr>
-            <a:endParaRPr sz="4000" dirty="0">
-              <a:solidFill>
-                <a:srgbClr val="000000"/>
-              </a:solidFill>
-            </a:endParaRPr>
-          </a:p>
-          <a:p>
-            <a:pPr marL="0" lvl="0" indent="0" algn="l" rtl="0">
-              <a:lnSpc>
-                <a:spcPct val="100000"/>
-              </a:lnSpc>
-              <a:spcBef>
-                <a:spcPts val="0"/>
-              </a:spcBef>
-              <a:spcAft>
-                <a:spcPts val="0"/>
-              </a:spcAft>
-              <a:buNone/>
-            </a:pPr>
-            <a:endParaRPr sz="4600" dirty="0">
-              <a:solidFill>
-                <a:schemeClr val="dk1"/>
-              </a:solidFill>
-            </a:endParaRPr>
-          </a:p>
-          <a:p>
-            <a:pPr marL="0" lvl="0" indent="0" algn="l" rtl="0">
-              <a:spcBef>
-                <a:spcPts val="0"/>
-              </a:spcBef>
-              <a:spcAft>
-                <a:spcPts val="0"/>
-              </a:spcAft>
-              <a:buNone/>
-            </a:pPr>
-            <a:endParaRPr sz="4000" dirty="0">
-              <a:solidFill>
-                <a:schemeClr val="dk1"/>
-              </a:solidFill>
-            </a:endParaRPr>
-          </a:p>
-          <a:p>
-            <a:pPr marL="0" lvl="0" indent="0" algn="l" rtl="0">
-              <a:spcBef>
-                <a:spcPts val="1200"/>
-              </a:spcBef>
-              <a:spcAft>
-                <a:spcPts val="0"/>
-              </a:spcAft>
-              <a:buNone/>
-            </a:pPr>
-            <a:endParaRPr sz="4000" dirty="0">
-              <a:solidFill>
-                <a:schemeClr val="dk1"/>
-              </a:solidFill>
-            </a:endParaRPr>
-          </a:p>
-          <a:p>
-            <a:pPr marL="0" lvl="0" indent="0" algn="l" rtl="0">
-              <a:spcBef>
-                <a:spcPts val="1200"/>
-              </a:spcBef>
-              <a:spcAft>
-                <a:spcPts val="0"/>
-              </a:spcAft>
-              <a:buNone/>
-            </a:pPr>
-            <a:endParaRPr sz="4000" dirty="0">
-              <a:solidFill>
-                <a:schemeClr val="dk1"/>
-              </a:solidFill>
-            </a:endParaRPr>
-          </a:p>
-          <a:p>
-            <a:pPr marL="0" lvl="0" indent="0" algn="l" rtl="0">
-              <a:spcBef>
-                <a:spcPts val="1200"/>
-              </a:spcBef>
-              <a:spcAft>
-                <a:spcPts val="1200"/>
-              </a:spcAft>
-              <a:buNone/>
-            </a:pPr>
-            <a:endParaRPr sz="4000" dirty="0"/>
-          </a:p>
-        </p:txBody>
-      </p:sp>
-      <p:sp>
-        <p:nvSpPr>
-          <p:cNvPr id="85" name="Google Shape;85;p15"/>
-          <p:cNvSpPr/>
-          <p:nvPr/>
-        </p:nvSpPr>
-        <p:spPr>
-          <a:xfrm>
-            <a:off x="332525" y="3487474"/>
-            <a:ext cx="3997500" cy="572700"/>
-          </a:xfrm>
-          <a:prstGeom prst="homePlate">
-            <a:avLst>
-              <a:gd name="adj" fmla="val 50000"/>
-            </a:avLst>
-          </a:prstGeom>
-          <a:solidFill>
-            <a:srgbClr val="CCCCCC"/>
-          </a:solidFill>
-          <a:ln w="9525" cap="flat" cmpd="sng">
-            <a:solidFill>
-              <a:schemeClr val="dk2"/>
-            </a:solidFill>
-            <a:prstDash val="solid"/>
-            <a:round/>
-            <a:headEnd type="none" w="sm" len="sm"/>
-            <a:tailEnd type="none" w="sm" len="sm"/>
-          </a:ln>
-        </p:spPr>
-        <p:txBody>
-          <a:bodyPr spcFirstLastPara="1" wrap="square" lIns="91425" tIns="91425" rIns="91425" bIns="91425" anchor="ctr" anchorCtr="0">
-            <a:noAutofit/>
-          </a:bodyPr>
-          <a:lstStyle/>
-          <a:p>
-            <a:pPr marL="0" lvl="0" indent="0" algn="l" rtl="0">
-              <a:spcBef>
-                <a:spcPts val="0"/>
-              </a:spcBef>
-              <a:spcAft>
-                <a:spcPts val="0"/>
-              </a:spcAft>
-              <a:buNone/>
-            </a:pPr>
-            <a:endParaRPr/>
-          </a:p>
-        </p:txBody>
-      </p:sp>
-      <p:sp>
-        <p:nvSpPr>
-          <p:cNvPr id="86" name="Google Shape;86;p15"/>
-          <p:cNvSpPr/>
-          <p:nvPr/>
-        </p:nvSpPr>
-        <p:spPr>
-          <a:xfrm rot="10800000">
-            <a:off x="4683725" y="3487486"/>
-            <a:ext cx="4153200" cy="572700"/>
-          </a:xfrm>
-          <a:prstGeom prst="homePlate">
-            <a:avLst>
-              <a:gd name="adj" fmla="val 50000"/>
-            </a:avLst>
-          </a:prstGeom>
-          <a:solidFill>
-            <a:schemeClr val="accent1"/>
-          </a:solidFill>
-          <a:ln w="9525" cap="flat" cmpd="sng">
-            <a:solidFill>
-              <a:schemeClr val="dk2"/>
-            </a:solidFill>
-            <a:prstDash val="solid"/>
-            <a:round/>
-            <a:headEnd type="none" w="sm" len="sm"/>
-            <a:tailEnd type="none" w="sm" len="sm"/>
-          </a:ln>
-        </p:spPr>
-        <p:txBody>
-          <a:bodyPr spcFirstLastPara="1" wrap="square" lIns="91425" tIns="91425" rIns="91425" bIns="91425" anchor="ctr" anchorCtr="0">
-            <a:noAutofit/>
-          </a:bodyPr>
-          <a:lstStyle/>
-          <a:p>
-            <a:pPr marL="0" lvl="0" indent="0" algn="l" rtl="0">
-              <a:spcBef>
-                <a:spcPts val="0"/>
-              </a:spcBef>
-              <a:spcAft>
-                <a:spcPts val="0"/>
-              </a:spcAft>
-              <a:buNone/>
-            </a:pPr>
-            <a:endParaRPr/>
-          </a:p>
-        </p:txBody>
-      </p:sp>
-      <p:sp>
-        <p:nvSpPr>
-          <p:cNvPr id="87" name="Google Shape;87;p15"/>
-          <p:cNvSpPr txBox="1">
-            <a:spLocks noGrp="1"/>
-          </p:cNvSpPr>
-          <p:nvPr>
-            <p:ph type="body" idx="1"/>
-          </p:nvPr>
-        </p:nvSpPr>
-        <p:spPr>
-          <a:xfrm>
-            <a:off x="332525" y="3602924"/>
-            <a:ext cx="4154400" cy="402300"/>
-          </a:xfrm>
-          <a:prstGeom prst="rect">
-            <a:avLst/>
-          </a:prstGeom>
-        </p:spPr>
-        <p:txBody>
-          <a:bodyPr spcFirstLastPara="1" wrap="square" lIns="91425" tIns="91425" rIns="91425" bIns="91425" anchor="t" anchorCtr="0">
-            <a:normAutofit/>
-          </a:bodyPr>
-          <a:lstStyle/>
-          <a:p>
-            <a:pPr marL="0" lvl="0" indent="0" algn="l" rtl="0">
-              <a:lnSpc>
-                <a:spcPct val="100000"/>
-              </a:lnSpc>
-              <a:spcBef>
-                <a:spcPts val="0"/>
-              </a:spcBef>
-              <a:spcAft>
-                <a:spcPts val="0"/>
-              </a:spcAft>
-              <a:buNone/>
-            </a:pPr>
-            <a:r>
-              <a:rPr lang="fr" sz="1200" dirty="0">
-                <a:solidFill>
-                  <a:schemeClr val="dk1"/>
-                </a:solidFill>
-              </a:rPr>
-              <a:t>WHEN I</a:t>
-            </a:r>
-            <a:r>
-              <a:rPr lang="en-CA" sz="1200" dirty="0">
-                <a:solidFill>
-                  <a:schemeClr val="dk1"/>
-                </a:solidFill>
-              </a:rPr>
-              <a:t> click on Logout</a:t>
-            </a:r>
-            <a:endParaRPr sz="1200" dirty="0">
-              <a:solidFill>
-                <a:schemeClr val="dk1"/>
-              </a:solidFill>
-            </a:endParaRPr>
-          </a:p>
-          <a:p>
-            <a:pPr marL="0" lvl="0" indent="0" algn="l" rtl="0">
-              <a:lnSpc>
-                <a:spcPct val="100000"/>
-              </a:lnSpc>
-              <a:spcBef>
-                <a:spcPts val="0"/>
-              </a:spcBef>
-              <a:spcAft>
-                <a:spcPts val="0"/>
-              </a:spcAft>
-              <a:buNone/>
-            </a:pPr>
-            <a:endParaRPr sz="4000" dirty="0">
-              <a:solidFill>
-                <a:schemeClr val="dk1"/>
-              </a:solidFill>
-            </a:endParaRPr>
-          </a:p>
-          <a:p>
-            <a:pPr marL="0" lvl="0" indent="0" algn="l" rtl="0">
-              <a:lnSpc>
-                <a:spcPct val="100000"/>
-              </a:lnSpc>
-              <a:spcBef>
-                <a:spcPts val="0"/>
-              </a:spcBef>
-              <a:spcAft>
-                <a:spcPts val="0"/>
-              </a:spcAft>
-              <a:buNone/>
-            </a:pPr>
-            <a:endParaRPr sz="4000" dirty="0">
-              <a:solidFill>
-                <a:schemeClr val="dk1"/>
-              </a:solidFill>
-            </a:endParaRPr>
-          </a:p>
-          <a:p>
-            <a:pPr marL="0" lvl="0" indent="0" algn="l" rtl="0">
-              <a:lnSpc>
-                <a:spcPct val="100000"/>
-              </a:lnSpc>
-              <a:spcBef>
-                <a:spcPts val="0"/>
-              </a:spcBef>
-              <a:spcAft>
-                <a:spcPts val="0"/>
-              </a:spcAft>
-              <a:buNone/>
-            </a:pPr>
-            <a:endParaRPr sz="4000" dirty="0">
-              <a:solidFill>
-                <a:srgbClr val="000000"/>
-              </a:solidFill>
-            </a:endParaRPr>
-          </a:p>
-          <a:p>
-            <a:pPr marL="0" lvl="0" indent="0" algn="l" rtl="0">
-              <a:lnSpc>
-                <a:spcPct val="100000"/>
-              </a:lnSpc>
-              <a:spcBef>
-                <a:spcPts val="0"/>
-              </a:spcBef>
-              <a:spcAft>
-                <a:spcPts val="0"/>
-              </a:spcAft>
-              <a:buNone/>
-            </a:pPr>
-            <a:endParaRPr sz="4600" dirty="0">
-              <a:solidFill>
-                <a:schemeClr val="dk1"/>
-              </a:solidFill>
-            </a:endParaRPr>
-          </a:p>
-          <a:p>
-            <a:pPr marL="0" lvl="0" indent="0" algn="l" rtl="0">
-              <a:spcBef>
-                <a:spcPts val="0"/>
-              </a:spcBef>
-              <a:spcAft>
-                <a:spcPts val="0"/>
-              </a:spcAft>
-              <a:buNone/>
-            </a:pPr>
-            <a:endParaRPr sz="4000" dirty="0">
-              <a:solidFill>
-                <a:schemeClr val="dk1"/>
-              </a:solidFill>
-            </a:endParaRPr>
-          </a:p>
-          <a:p>
-            <a:pPr marL="0" lvl="0" indent="0" algn="l" rtl="0">
-              <a:spcBef>
-                <a:spcPts val="1200"/>
-              </a:spcBef>
-              <a:spcAft>
-                <a:spcPts val="0"/>
-              </a:spcAft>
-              <a:buNone/>
-            </a:pPr>
-            <a:endParaRPr sz="4000" dirty="0">
-              <a:solidFill>
-                <a:schemeClr val="dk1"/>
-              </a:solidFill>
-            </a:endParaRPr>
-          </a:p>
-          <a:p>
-            <a:pPr marL="0" lvl="0" indent="0" algn="l" rtl="0">
-              <a:spcBef>
-                <a:spcPts val="1200"/>
-              </a:spcBef>
-              <a:spcAft>
-                <a:spcPts val="0"/>
-              </a:spcAft>
-              <a:buNone/>
-            </a:pPr>
-            <a:endParaRPr sz="4000" dirty="0">
-              <a:solidFill>
-                <a:schemeClr val="dk1"/>
-              </a:solidFill>
-            </a:endParaRPr>
-          </a:p>
-          <a:p>
-            <a:pPr marL="0" lvl="0" indent="0" algn="l" rtl="0">
-              <a:spcBef>
-                <a:spcPts val="1200"/>
-              </a:spcBef>
-              <a:spcAft>
-                <a:spcPts val="1200"/>
-              </a:spcAft>
-              <a:buNone/>
-            </a:pPr>
-            <a:endParaRPr sz="4000" dirty="0"/>
-          </a:p>
-        </p:txBody>
-      </p:sp>
-      <p:sp>
-        <p:nvSpPr>
-          <p:cNvPr id="88" name="Google Shape;88;p15"/>
-          <p:cNvSpPr txBox="1">
-            <a:spLocks noGrp="1"/>
-          </p:cNvSpPr>
-          <p:nvPr>
-            <p:ph type="body" idx="1"/>
-          </p:nvPr>
-        </p:nvSpPr>
-        <p:spPr>
-          <a:xfrm>
-            <a:off x="4839425" y="3411668"/>
-            <a:ext cx="4047826" cy="452400"/>
-          </a:xfrm>
-          <a:prstGeom prst="rect">
-            <a:avLst/>
-          </a:prstGeom>
-        </p:spPr>
-        <p:txBody>
-          <a:bodyPr spcFirstLastPara="1" wrap="square" lIns="91425" tIns="91425" rIns="91425" bIns="91425" anchor="t" anchorCtr="0">
-            <a:noAutofit/>
-          </a:bodyPr>
-          <a:lstStyle/>
-          <a:p>
-            <a:pPr marL="0" lvl="0" indent="0" algn="r" rtl="0">
-              <a:lnSpc>
-                <a:spcPct val="100000"/>
-              </a:lnSpc>
-              <a:spcBef>
-                <a:spcPts val="0"/>
-              </a:spcBef>
-              <a:spcAft>
-                <a:spcPts val="0"/>
-              </a:spcAft>
-              <a:buNone/>
-            </a:pPr>
-            <a:r>
-              <a:rPr lang="fr" sz="1200" dirty="0">
-                <a:solidFill>
-                  <a:schemeClr val="dk1"/>
-                </a:solidFill>
-              </a:rPr>
-              <a:t>THEN  I am logged out of my account and my dashboard, adoption form and donations pages are not longer available</a:t>
-            </a:r>
-            <a:endParaRPr sz="1200" dirty="0">
-              <a:solidFill>
-                <a:schemeClr val="dk1"/>
-              </a:solidFill>
-            </a:endParaRPr>
-          </a:p>
-          <a:p>
-            <a:pPr marL="0" lvl="0" indent="0" algn="l" rtl="0">
-              <a:lnSpc>
-                <a:spcPct val="100000"/>
-              </a:lnSpc>
-              <a:spcBef>
-                <a:spcPts val="0"/>
-              </a:spcBef>
-              <a:spcAft>
-                <a:spcPts val="0"/>
-              </a:spcAft>
-              <a:buNone/>
-            </a:pPr>
-            <a:endParaRPr sz="1200" dirty="0">
-              <a:solidFill>
-                <a:schemeClr val="dk1"/>
-              </a:solidFill>
-            </a:endParaRPr>
-          </a:p>
-          <a:p>
-            <a:pPr marL="0" lvl="0" indent="0" algn="l" rtl="0">
-              <a:spcBef>
-                <a:spcPts val="0"/>
-              </a:spcBef>
-              <a:spcAft>
-                <a:spcPts val="0"/>
-              </a:spcAft>
-              <a:buNone/>
-            </a:pPr>
-            <a:endParaRPr sz="1200" dirty="0">
-              <a:solidFill>
-                <a:schemeClr val="dk1"/>
-              </a:solidFill>
-            </a:endParaRPr>
-          </a:p>
-          <a:p>
-            <a:pPr marL="0" lvl="0" indent="0" algn="l" rtl="0">
-              <a:spcBef>
-                <a:spcPts val="1200"/>
-              </a:spcBef>
-              <a:spcAft>
-                <a:spcPts val="0"/>
-              </a:spcAft>
-              <a:buNone/>
-            </a:pPr>
-            <a:endParaRPr sz="1200" dirty="0">
-              <a:solidFill>
-                <a:schemeClr val="dk1"/>
-              </a:solidFill>
-            </a:endParaRPr>
-          </a:p>
-          <a:p>
-            <a:pPr marL="0" lvl="0" indent="0" algn="l" rtl="0">
-              <a:spcBef>
-                <a:spcPts val="1200"/>
-              </a:spcBef>
-              <a:spcAft>
-                <a:spcPts val="0"/>
-              </a:spcAft>
-              <a:buNone/>
-            </a:pPr>
-            <a:endParaRPr sz="1200" dirty="0">
-              <a:solidFill>
-                <a:schemeClr val="dk1"/>
-              </a:solidFill>
-            </a:endParaRPr>
-          </a:p>
-          <a:p>
-            <a:pPr marL="0" lvl="0" indent="0" algn="l" rtl="0">
-              <a:spcBef>
-                <a:spcPts val="1200"/>
-              </a:spcBef>
-              <a:spcAft>
-                <a:spcPts val="1200"/>
-              </a:spcAft>
-              <a:buNone/>
-            </a:pPr>
-            <a:endParaRPr sz="1200" dirty="0"/>
-          </a:p>
-        </p:txBody>
-      </p:sp>
-      <p:sp>
-        <p:nvSpPr>
-          <p:cNvPr id="89" name="Google Shape;89;p15"/>
-          <p:cNvSpPr/>
-          <p:nvPr/>
-        </p:nvSpPr>
-        <p:spPr>
-          <a:xfrm>
-            <a:off x="332525" y="4106799"/>
-            <a:ext cx="3997500" cy="572700"/>
-          </a:xfrm>
-          <a:prstGeom prst="homePlate">
-            <a:avLst>
-              <a:gd name="adj" fmla="val 50000"/>
-            </a:avLst>
-          </a:prstGeom>
-          <a:solidFill>
-            <a:srgbClr val="CCCCCC"/>
-          </a:solidFill>
-          <a:ln w="9525" cap="flat" cmpd="sng">
-            <a:solidFill>
-              <a:schemeClr val="dk2"/>
-            </a:solidFill>
-            <a:prstDash val="solid"/>
-            <a:round/>
-            <a:headEnd type="none" w="sm" len="sm"/>
-            <a:tailEnd type="none" w="sm" len="sm"/>
-          </a:ln>
-        </p:spPr>
-        <p:txBody>
-          <a:bodyPr spcFirstLastPara="1" wrap="square" lIns="91425" tIns="91425" rIns="91425" bIns="91425" anchor="ctr" anchorCtr="0">
-            <a:noAutofit/>
-          </a:bodyPr>
-          <a:lstStyle/>
-          <a:p>
-            <a:pPr marL="0" lvl="0" indent="0" algn="l" rtl="0">
-              <a:spcBef>
-                <a:spcPts val="0"/>
-              </a:spcBef>
-              <a:spcAft>
-                <a:spcPts val="0"/>
-              </a:spcAft>
-              <a:buNone/>
-            </a:pPr>
-            <a:endParaRPr/>
-          </a:p>
-        </p:txBody>
-      </p:sp>
-      <p:sp>
-        <p:nvSpPr>
-          <p:cNvPr id="90" name="Google Shape;90;p15"/>
-          <p:cNvSpPr txBox="1">
-            <a:spLocks noGrp="1"/>
-          </p:cNvSpPr>
-          <p:nvPr>
-            <p:ph type="body" idx="1"/>
-          </p:nvPr>
-        </p:nvSpPr>
-        <p:spPr>
-          <a:xfrm>
-            <a:off x="332525" y="4217549"/>
-            <a:ext cx="4154400" cy="402300"/>
-          </a:xfrm>
-          <a:prstGeom prst="rect">
-            <a:avLst/>
-          </a:prstGeom>
-        </p:spPr>
-        <p:txBody>
-          <a:bodyPr spcFirstLastPara="1" wrap="square" lIns="91425" tIns="91425" rIns="91425" bIns="91425" anchor="t" anchorCtr="0">
-            <a:normAutofit/>
-          </a:bodyPr>
-          <a:lstStyle/>
-          <a:p>
-            <a:pPr marL="0" lvl="0" indent="0" algn="l" rtl="0">
-              <a:lnSpc>
-                <a:spcPct val="100000"/>
-              </a:lnSpc>
-              <a:spcBef>
-                <a:spcPts val="0"/>
-              </a:spcBef>
-              <a:spcAft>
-                <a:spcPts val="0"/>
-              </a:spcAft>
-              <a:buNone/>
-            </a:pPr>
-            <a:r>
-              <a:rPr lang="fr" sz="1200" dirty="0">
-                <a:solidFill>
-                  <a:schemeClr val="dk1"/>
-                </a:solidFill>
-              </a:rPr>
-              <a:t>WHEN I visit the Calendar page</a:t>
-            </a:r>
-            <a:endParaRPr sz="1200" dirty="0">
-              <a:solidFill>
-                <a:schemeClr val="dk1"/>
-              </a:solidFill>
-            </a:endParaRPr>
-          </a:p>
-          <a:p>
-            <a:pPr marL="0" lvl="0" indent="0" algn="l" rtl="0">
-              <a:lnSpc>
-                <a:spcPct val="100000"/>
-              </a:lnSpc>
-              <a:spcBef>
-                <a:spcPts val="0"/>
-              </a:spcBef>
-              <a:spcAft>
-                <a:spcPts val="0"/>
-              </a:spcAft>
-              <a:buNone/>
-            </a:pPr>
-            <a:endParaRPr sz="4000" dirty="0">
-              <a:solidFill>
-                <a:schemeClr val="dk1"/>
-              </a:solidFill>
-            </a:endParaRPr>
-          </a:p>
-          <a:p>
-            <a:pPr marL="0" lvl="0" indent="0" algn="l" rtl="0">
-              <a:lnSpc>
-                <a:spcPct val="100000"/>
-              </a:lnSpc>
-              <a:spcBef>
-                <a:spcPts val="0"/>
-              </a:spcBef>
-              <a:spcAft>
-                <a:spcPts val="0"/>
-              </a:spcAft>
-              <a:buNone/>
-            </a:pPr>
-            <a:endParaRPr sz="4000" dirty="0">
-              <a:solidFill>
-                <a:schemeClr val="dk1"/>
-              </a:solidFill>
-            </a:endParaRPr>
-          </a:p>
-          <a:p>
-            <a:pPr marL="0" lvl="0" indent="0" algn="l" rtl="0">
-              <a:lnSpc>
-                <a:spcPct val="100000"/>
-              </a:lnSpc>
-              <a:spcBef>
-                <a:spcPts val="0"/>
-              </a:spcBef>
-              <a:spcAft>
-                <a:spcPts val="0"/>
-              </a:spcAft>
-              <a:buNone/>
-            </a:pPr>
-            <a:endParaRPr sz="4000" dirty="0">
-              <a:solidFill>
-                <a:srgbClr val="000000"/>
-              </a:solidFill>
-            </a:endParaRPr>
-          </a:p>
-          <a:p>
-            <a:pPr marL="0" lvl="0" indent="0" algn="l" rtl="0">
-              <a:lnSpc>
-                <a:spcPct val="100000"/>
-              </a:lnSpc>
-              <a:spcBef>
-                <a:spcPts val="0"/>
-              </a:spcBef>
-              <a:spcAft>
-                <a:spcPts val="0"/>
-              </a:spcAft>
-              <a:buNone/>
-            </a:pPr>
-            <a:endParaRPr sz="4600" dirty="0">
-              <a:solidFill>
-                <a:schemeClr val="dk1"/>
-              </a:solidFill>
-            </a:endParaRPr>
-          </a:p>
-          <a:p>
-            <a:pPr marL="0" lvl="0" indent="0" algn="l" rtl="0">
-              <a:spcBef>
-                <a:spcPts val="0"/>
-              </a:spcBef>
-              <a:spcAft>
-                <a:spcPts val="0"/>
-              </a:spcAft>
-              <a:buNone/>
-            </a:pPr>
-            <a:endParaRPr sz="4000" dirty="0">
-              <a:solidFill>
-                <a:schemeClr val="dk1"/>
-              </a:solidFill>
-            </a:endParaRPr>
-          </a:p>
-          <a:p>
-            <a:pPr marL="0" lvl="0" indent="0" algn="l" rtl="0">
-              <a:spcBef>
-                <a:spcPts val="1200"/>
-              </a:spcBef>
-              <a:spcAft>
-                <a:spcPts val="0"/>
-              </a:spcAft>
-              <a:buNone/>
-            </a:pPr>
-            <a:endParaRPr sz="4000" dirty="0">
-              <a:solidFill>
-                <a:schemeClr val="dk1"/>
-              </a:solidFill>
-            </a:endParaRPr>
-          </a:p>
-          <a:p>
-            <a:pPr marL="0" lvl="0" indent="0" algn="l" rtl="0">
-              <a:spcBef>
-                <a:spcPts val="1200"/>
-              </a:spcBef>
-              <a:spcAft>
-                <a:spcPts val="0"/>
-              </a:spcAft>
-              <a:buNone/>
-            </a:pPr>
-            <a:endParaRPr sz="4000" dirty="0">
-              <a:solidFill>
-                <a:schemeClr val="dk1"/>
-              </a:solidFill>
-            </a:endParaRPr>
-          </a:p>
-          <a:p>
-            <a:pPr marL="0" lvl="0" indent="0" algn="l" rtl="0">
-              <a:spcBef>
-                <a:spcPts val="1200"/>
-              </a:spcBef>
-              <a:spcAft>
-                <a:spcPts val="1200"/>
-              </a:spcAft>
-              <a:buNone/>
-            </a:pPr>
-            <a:endParaRPr sz="4000" dirty="0"/>
-          </a:p>
-        </p:txBody>
-      </p:sp>
-      <p:sp>
-        <p:nvSpPr>
-          <p:cNvPr id="91" name="Google Shape;91;p15"/>
-          <p:cNvSpPr/>
-          <p:nvPr/>
-        </p:nvSpPr>
-        <p:spPr>
-          <a:xfrm rot="10800000">
-            <a:off x="4683725" y="4106811"/>
-            <a:ext cx="4153200" cy="572700"/>
-          </a:xfrm>
-          <a:prstGeom prst="homePlate">
-            <a:avLst>
-              <a:gd name="adj" fmla="val 50000"/>
-            </a:avLst>
-          </a:prstGeom>
-          <a:solidFill>
-            <a:schemeClr val="accent1"/>
-          </a:solidFill>
-          <a:ln w="9525" cap="flat" cmpd="sng">
-            <a:solidFill>
-              <a:schemeClr val="dk2"/>
-            </a:solidFill>
-            <a:prstDash val="solid"/>
-            <a:round/>
-            <a:headEnd type="none" w="sm" len="sm"/>
-            <a:tailEnd type="none" w="sm" len="sm"/>
-          </a:ln>
-        </p:spPr>
-        <p:txBody>
-          <a:bodyPr spcFirstLastPara="1" wrap="square" lIns="91425" tIns="91425" rIns="91425" bIns="91425" anchor="ctr" anchorCtr="0">
-            <a:noAutofit/>
-          </a:bodyPr>
-          <a:lstStyle/>
-          <a:p>
-            <a:pPr marL="0" lvl="0" indent="0" algn="l" rtl="0">
-              <a:spcBef>
-                <a:spcPts val="0"/>
-              </a:spcBef>
-              <a:spcAft>
-                <a:spcPts val="0"/>
-              </a:spcAft>
-              <a:buNone/>
-            </a:pPr>
-            <a:endParaRPr/>
-          </a:p>
-        </p:txBody>
-      </p:sp>
-      <p:sp>
-        <p:nvSpPr>
           <p:cNvPr id="92" name="Google Shape;92;p15"/>
           <p:cNvSpPr txBox="1">
             <a:spLocks noGrp="1"/>
@@ -14800,7 +14499,7 @@
         </p:nvSpPr>
         <p:spPr>
           <a:xfrm>
-            <a:off x="5242560" y="4166949"/>
+            <a:off x="5242560" y="4180911"/>
             <a:ext cx="3593165" cy="452400"/>
           </a:xfrm>
           <a:prstGeom prst="rect">
@@ -14901,7 +14600,12 @@
             <p:ph type="sldNum" idx="12"/>
           </p:nvPr>
         </p:nvSpPr>
-        <p:spPr/>
+        <p:spPr>
+          <a:xfrm>
+            <a:off x="8472458" y="4117924"/>
+            <a:ext cx="548700" cy="393600"/>
+          </a:xfrm>
+        </p:spPr>
         <p:txBody>
           <a:bodyPr/>
           <a:lstStyle/>
@@ -14953,6 +14657,910 @@
           </a:prstGeom>
         </p:spPr>
       </p:pic>
+      <p:sp>
+        <p:nvSpPr>
+          <p:cNvPr id="21" name="Google Shape;79;p15">
+            <a:extLst>
+              <a:ext uri="{FF2B5EF4-FFF2-40B4-BE49-F238E27FC236}">
+                <a16:creationId xmlns:a16="http://schemas.microsoft.com/office/drawing/2014/main" id="{524AEF9B-A35C-43EB-93F7-531A9B5CBE2B}"/>
+              </a:ext>
+            </a:extLst>
+          </p:cNvPr>
+          <p:cNvSpPr/>
+          <p:nvPr/>
+        </p:nvSpPr>
+        <p:spPr>
+          <a:xfrm rot="10800000">
+            <a:off x="4677074" y="2872349"/>
+            <a:ext cx="4153200" cy="572700"/>
+          </a:xfrm>
+          <a:prstGeom prst="homePlate">
+            <a:avLst>
+              <a:gd name="adj" fmla="val 50000"/>
+            </a:avLst>
+          </a:prstGeom>
+          <a:solidFill>
+            <a:schemeClr val="accent1"/>
+          </a:solidFill>
+          <a:ln w="9525" cap="flat" cmpd="sng">
+            <a:solidFill>
+              <a:schemeClr val="dk2"/>
+            </a:solidFill>
+            <a:prstDash val="solid"/>
+            <a:round/>
+            <a:headEnd type="none" w="sm" len="sm"/>
+            <a:tailEnd type="none" w="sm" len="sm"/>
+          </a:ln>
+        </p:spPr>
+        <p:txBody>
+          <a:bodyPr spcFirstLastPara="1" wrap="square" lIns="91425" tIns="91425" rIns="91425" bIns="91425" anchor="ctr" anchorCtr="0">
+            <a:noAutofit/>
+          </a:bodyPr>
+          <a:lstStyle/>
+          <a:p>
+            <a:pPr marL="0" lvl="0" indent="0" algn="l" rtl="0">
+              <a:spcBef>
+                <a:spcPts val="0"/>
+              </a:spcBef>
+              <a:spcAft>
+                <a:spcPts val="0"/>
+              </a:spcAft>
+              <a:buNone/>
+            </a:pPr>
+            <a:endParaRPr/>
+          </a:p>
+        </p:txBody>
+      </p:sp>
+      <p:sp>
+        <p:nvSpPr>
+          <p:cNvPr id="22" name="Google Shape;81;p15">
+            <a:extLst>
+              <a:ext uri="{FF2B5EF4-FFF2-40B4-BE49-F238E27FC236}">
+                <a16:creationId xmlns:a16="http://schemas.microsoft.com/office/drawing/2014/main" id="{8040C053-A121-4391-A8D1-5D71E417C8B9}"/>
+              </a:ext>
+            </a:extLst>
+          </p:cNvPr>
+          <p:cNvSpPr txBox="1">
+            <a:spLocks/>
+          </p:cNvSpPr>
+          <p:nvPr/>
+        </p:nvSpPr>
+        <p:spPr>
+          <a:xfrm>
+            <a:off x="5084035" y="2865248"/>
+            <a:ext cx="3795532" cy="566261"/>
+          </a:xfrm>
+          <a:prstGeom prst="rect">
+            <a:avLst/>
+          </a:prstGeom>
+          <a:noFill/>
+          <a:ln>
+            <a:noFill/>
+          </a:ln>
+        </p:spPr>
+        <p:txBody>
+          <a:bodyPr spcFirstLastPara="1" wrap="square" lIns="91425" tIns="91425" rIns="91425" bIns="91425" anchor="t" anchorCtr="0">
+            <a:normAutofit/>
+          </a:bodyPr>
+          <a:lstStyle>
+            <a:defPPr marR="0" lvl="0" algn="l" rtl="0">
+              <a:lnSpc>
+                <a:spcPct val="100000"/>
+              </a:lnSpc>
+              <a:spcBef>
+                <a:spcPts val="0"/>
+              </a:spcBef>
+              <a:spcAft>
+                <a:spcPts val="0"/>
+              </a:spcAft>
+            </a:defPPr>
+            <a:lvl1pPr marL="457200" marR="0" lvl="0" indent="-342900" algn="l" rtl="0">
+              <a:lnSpc>
+                <a:spcPct val="115000"/>
+              </a:lnSpc>
+              <a:spcBef>
+                <a:spcPts val="0"/>
+              </a:spcBef>
+              <a:spcAft>
+                <a:spcPts val="0"/>
+              </a:spcAft>
+              <a:buClr>
+                <a:schemeClr val="lt2"/>
+              </a:buClr>
+              <a:buSzPts val="1800"/>
+              <a:buFont typeface="Arial"/>
+              <a:buChar char="●"/>
+              <a:defRPr sz="1800" b="0" i="0" u="none" strike="noStrike" cap="none">
+                <a:solidFill>
+                  <a:schemeClr val="lt2"/>
+                </a:solidFill>
+                <a:latin typeface="Arial"/>
+                <a:ea typeface="Arial"/>
+                <a:cs typeface="Arial"/>
+                <a:sym typeface="Arial"/>
+              </a:defRPr>
+            </a:lvl1pPr>
+            <a:lvl2pPr marL="914400" marR="0" lvl="1" indent="-317500" algn="l" rtl="0">
+              <a:lnSpc>
+                <a:spcPct val="115000"/>
+              </a:lnSpc>
+              <a:spcBef>
+                <a:spcPts val="0"/>
+              </a:spcBef>
+              <a:spcAft>
+                <a:spcPts val="0"/>
+              </a:spcAft>
+              <a:buClr>
+                <a:schemeClr val="lt2"/>
+              </a:buClr>
+              <a:buSzPts val="1400"/>
+              <a:buFont typeface="Arial"/>
+              <a:buChar char="○"/>
+              <a:defRPr sz="1400" b="0" i="0" u="none" strike="noStrike" cap="none">
+                <a:solidFill>
+                  <a:schemeClr val="lt2"/>
+                </a:solidFill>
+                <a:latin typeface="Arial"/>
+                <a:ea typeface="Arial"/>
+                <a:cs typeface="Arial"/>
+                <a:sym typeface="Arial"/>
+              </a:defRPr>
+            </a:lvl2pPr>
+            <a:lvl3pPr marL="1371600" marR="0" lvl="2" indent="-317500" algn="l" rtl="0">
+              <a:lnSpc>
+                <a:spcPct val="115000"/>
+              </a:lnSpc>
+              <a:spcBef>
+                <a:spcPts val="0"/>
+              </a:spcBef>
+              <a:spcAft>
+                <a:spcPts val="0"/>
+              </a:spcAft>
+              <a:buClr>
+                <a:schemeClr val="lt2"/>
+              </a:buClr>
+              <a:buSzPts val="1400"/>
+              <a:buFont typeface="Arial"/>
+              <a:buChar char="■"/>
+              <a:defRPr sz="1400" b="0" i="0" u="none" strike="noStrike" cap="none">
+                <a:solidFill>
+                  <a:schemeClr val="lt2"/>
+                </a:solidFill>
+                <a:latin typeface="Arial"/>
+                <a:ea typeface="Arial"/>
+                <a:cs typeface="Arial"/>
+                <a:sym typeface="Arial"/>
+              </a:defRPr>
+            </a:lvl3pPr>
+            <a:lvl4pPr marL="1828800" marR="0" lvl="3" indent="-317500" algn="l" rtl="0">
+              <a:lnSpc>
+                <a:spcPct val="115000"/>
+              </a:lnSpc>
+              <a:spcBef>
+                <a:spcPts val="0"/>
+              </a:spcBef>
+              <a:spcAft>
+                <a:spcPts val="0"/>
+              </a:spcAft>
+              <a:buClr>
+                <a:schemeClr val="lt2"/>
+              </a:buClr>
+              <a:buSzPts val="1400"/>
+              <a:buFont typeface="Arial"/>
+              <a:buChar char="●"/>
+              <a:defRPr sz="1400" b="0" i="0" u="none" strike="noStrike" cap="none">
+                <a:solidFill>
+                  <a:schemeClr val="lt2"/>
+                </a:solidFill>
+                <a:latin typeface="Arial"/>
+                <a:ea typeface="Arial"/>
+                <a:cs typeface="Arial"/>
+                <a:sym typeface="Arial"/>
+              </a:defRPr>
+            </a:lvl4pPr>
+            <a:lvl5pPr marL="2286000" marR="0" lvl="4" indent="-317500" algn="l" rtl="0">
+              <a:lnSpc>
+                <a:spcPct val="115000"/>
+              </a:lnSpc>
+              <a:spcBef>
+                <a:spcPts val="0"/>
+              </a:spcBef>
+              <a:spcAft>
+                <a:spcPts val="0"/>
+              </a:spcAft>
+              <a:buClr>
+                <a:schemeClr val="lt2"/>
+              </a:buClr>
+              <a:buSzPts val="1400"/>
+              <a:buFont typeface="Arial"/>
+              <a:buChar char="○"/>
+              <a:defRPr sz="1400" b="0" i="0" u="none" strike="noStrike" cap="none">
+                <a:solidFill>
+                  <a:schemeClr val="lt2"/>
+                </a:solidFill>
+                <a:latin typeface="Arial"/>
+                <a:ea typeface="Arial"/>
+                <a:cs typeface="Arial"/>
+                <a:sym typeface="Arial"/>
+              </a:defRPr>
+            </a:lvl5pPr>
+            <a:lvl6pPr marL="2743200" marR="0" lvl="5" indent="-317500" algn="l" rtl="0">
+              <a:lnSpc>
+                <a:spcPct val="115000"/>
+              </a:lnSpc>
+              <a:spcBef>
+                <a:spcPts val="0"/>
+              </a:spcBef>
+              <a:spcAft>
+                <a:spcPts val="0"/>
+              </a:spcAft>
+              <a:buClr>
+                <a:schemeClr val="lt2"/>
+              </a:buClr>
+              <a:buSzPts val="1400"/>
+              <a:buFont typeface="Arial"/>
+              <a:buChar char="■"/>
+              <a:defRPr sz="1400" b="0" i="0" u="none" strike="noStrike" cap="none">
+                <a:solidFill>
+                  <a:schemeClr val="lt2"/>
+                </a:solidFill>
+                <a:latin typeface="Arial"/>
+                <a:ea typeface="Arial"/>
+                <a:cs typeface="Arial"/>
+                <a:sym typeface="Arial"/>
+              </a:defRPr>
+            </a:lvl6pPr>
+            <a:lvl7pPr marL="3200400" marR="0" lvl="6" indent="-317500" algn="l" rtl="0">
+              <a:lnSpc>
+                <a:spcPct val="115000"/>
+              </a:lnSpc>
+              <a:spcBef>
+                <a:spcPts val="0"/>
+              </a:spcBef>
+              <a:spcAft>
+                <a:spcPts val="0"/>
+              </a:spcAft>
+              <a:buClr>
+                <a:schemeClr val="lt2"/>
+              </a:buClr>
+              <a:buSzPts val="1400"/>
+              <a:buFont typeface="Arial"/>
+              <a:buChar char="●"/>
+              <a:defRPr sz="1400" b="0" i="0" u="none" strike="noStrike" cap="none">
+                <a:solidFill>
+                  <a:schemeClr val="lt2"/>
+                </a:solidFill>
+                <a:latin typeface="Arial"/>
+                <a:ea typeface="Arial"/>
+                <a:cs typeface="Arial"/>
+                <a:sym typeface="Arial"/>
+              </a:defRPr>
+            </a:lvl7pPr>
+            <a:lvl8pPr marL="3657600" marR="0" lvl="7" indent="-317500" algn="l" rtl="0">
+              <a:lnSpc>
+                <a:spcPct val="115000"/>
+              </a:lnSpc>
+              <a:spcBef>
+                <a:spcPts val="0"/>
+              </a:spcBef>
+              <a:spcAft>
+                <a:spcPts val="0"/>
+              </a:spcAft>
+              <a:buClr>
+                <a:schemeClr val="lt2"/>
+              </a:buClr>
+              <a:buSzPts val="1400"/>
+              <a:buFont typeface="Arial"/>
+              <a:buChar char="○"/>
+              <a:defRPr sz="1400" b="0" i="0" u="none" strike="noStrike" cap="none">
+                <a:solidFill>
+                  <a:schemeClr val="lt2"/>
+                </a:solidFill>
+                <a:latin typeface="Arial"/>
+                <a:ea typeface="Arial"/>
+                <a:cs typeface="Arial"/>
+                <a:sym typeface="Arial"/>
+              </a:defRPr>
+            </a:lvl8pPr>
+            <a:lvl9pPr marL="4114800" marR="0" lvl="8" indent="-317500" algn="l" rtl="0">
+              <a:lnSpc>
+                <a:spcPct val="115000"/>
+              </a:lnSpc>
+              <a:spcBef>
+                <a:spcPts val="0"/>
+              </a:spcBef>
+              <a:spcAft>
+                <a:spcPts val="0"/>
+              </a:spcAft>
+              <a:buClr>
+                <a:schemeClr val="lt2"/>
+              </a:buClr>
+              <a:buSzPts val="1400"/>
+              <a:buFont typeface="Arial"/>
+              <a:buChar char="■"/>
+              <a:defRPr sz="1400" b="0" i="0" u="none" strike="noStrike" cap="none">
+                <a:solidFill>
+                  <a:schemeClr val="lt2"/>
+                </a:solidFill>
+                <a:latin typeface="Arial"/>
+                <a:ea typeface="Arial"/>
+                <a:cs typeface="Arial"/>
+                <a:sym typeface="Arial"/>
+              </a:defRPr>
+            </a:lvl9pPr>
+          </a:lstStyle>
+          <a:p>
+            <a:pPr marL="0" indent="0" algn="r">
+              <a:lnSpc>
+                <a:spcPct val="100000"/>
+              </a:lnSpc>
+              <a:buFont typeface="Arial"/>
+              <a:buNone/>
+            </a:pPr>
+            <a:r>
+              <a:rPr lang="en-US" sz="1200" dirty="0">
+                <a:solidFill>
+                  <a:schemeClr val="dk1"/>
+                </a:solidFill>
+              </a:rPr>
+              <a:t>THEN I am asked to fill out payment information</a:t>
+            </a:r>
+          </a:p>
+          <a:p>
+            <a:pPr marL="0" indent="0">
+              <a:lnSpc>
+                <a:spcPct val="100000"/>
+              </a:lnSpc>
+              <a:buFont typeface="Arial"/>
+              <a:buNone/>
+            </a:pPr>
+            <a:endParaRPr lang="en-US" sz="1200" dirty="0">
+              <a:solidFill>
+                <a:schemeClr val="dk1"/>
+              </a:solidFill>
+            </a:endParaRPr>
+          </a:p>
+          <a:p>
+            <a:pPr marL="0" indent="0">
+              <a:lnSpc>
+                <a:spcPct val="100000"/>
+              </a:lnSpc>
+              <a:buFont typeface="Arial"/>
+              <a:buNone/>
+            </a:pPr>
+            <a:endParaRPr lang="en-US" sz="1200" dirty="0">
+              <a:solidFill>
+                <a:schemeClr val="dk1"/>
+              </a:solidFill>
+            </a:endParaRPr>
+          </a:p>
+          <a:p>
+            <a:pPr marL="0" indent="0">
+              <a:buFont typeface="Arial"/>
+              <a:buNone/>
+            </a:pPr>
+            <a:endParaRPr lang="en-US" sz="1200" dirty="0">
+              <a:solidFill>
+                <a:schemeClr val="dk1"/>
+              </a:solidFill>
+            </a:endParaRPr>
+          </a:p>
+          <a:p>
+            <a:pPr marL="0" indent="0">
+              <a:spcBef>
+                <a:spcPts val="1200"/>
+              </a:spcBef>
+              <a:buFont typeface="Arial"/>
+              <a:buNone/>
+            </a:pPr>
+            <a:endParaRPr lang="en-US" sz="1200" dirty="0">
+              <a:solidFill>
+                <a:schemeClr val="dk1"/>
+              </a:solidFill>
+            </a:endParaRPr>
+          </a:p>
+          <a:p>
+            <a:pPr marL="0" indent="0">
+              <a:spcBef>
+                <a:spcPts val="1200"/>
+              </a:spcBef>
+              <a:buFont typeface="Arial"/>
+              <a:buNone/>
+            </a:pPr>
+            <a:endParaRPr lang="en-US" sz="1200" dirty="0">
+              <a:solidFill>
+                <a:schemeClr val="dk1"/>
+              </a:solidFill>
+            </a:endParaRPr>
+          </a:p>
+          <a:p>
+            <a:pPr marL="0" indent="0">
+              <a:spcBef>
+                <a:spcPts val="1200"/>
+              </a:spcBef>
+              <a:spcAft>
+                <a:spcPts val="1200"/>
+              </a:spcAft>
+              <a:buFont typeface="Arial"/>
+              <a:buNone/>
+            </a:pPr>
+            <a:endParaRPr lang="en-US" sz="1200" dirty="0"/>
+          </a:p>
+        </p:txBody>
+      </p:sp>
+      <p:sp>
+        <p:nvSpPr>
+          <p:cNvPr id="23" name="Google Shape;83;p15">
+            <a:extLst>
+              <a:ext uri="{FF2B5EF4-FFF2-40B4-BE49-F238E27FC236}">
+                <a16:creationId xmlns:a16="http://schemas.microsoft.com/office/drawing/2014/main" id="{B0389206-D0E2-4930-B5D4-8CF0F00CBC30}"/>
+              </a:ext>
+            </a:extLst>
+          </p:cNvPr>
+          <p:cNvSpPr/>
+          <p:nvPr/>
+        </p:nvSpPr>
+        <p:spPr>
+          <a:xfrm>
+            <a:off x="325874" y="2872337"/>
+            <a:ext cx="3997500" cy="572700"/>
+          </a:xfrm>
+          <a:prstGeom prst="homePlate">
+            <a:avLst>
+              <a:gd name="adj" fmla="val 50000"/>
+            </a:avLst>
+          </a:prstGeom>
+          <a:solidFill>
+            <a:srgbClr val="CCCCCC"/>
+          </a:solidFill>
+          <a:ln w="9525" cap="flat" cmpd="sng">
+            <a:solidFill>
+              <a:schemeClr val="dk2"/>
+            </a:solidFill>
+            <a:prstDash val="solid"/>
+            <a:round/>
+            <a:headEnd type="none" w="sm" len="sm"/>
+            <a:tailEnd type="none" w="sm" len="sm"/>
+          </a:ln>
+        </p:spPr>
+        <p:txBody>
+          <a:bodyPr spcFirstLastPara="1" wrap="square" lIns="91425" tIns="91425" rIns="91425" bIns="91425" anchor="ctr" anchorCtr="0">
+            <a:noAutofit/>
+          </a:bodyPr>
+          <a:lstStyle/>
+          <a:p>
+            <a:pPr marL="0" lvl="0" indent="0" algn="l" rtl="0">
+              <a:spcBef>
+                <a:spcPts val="0"/>
+              </a:spcBef>
+              <a:spcAft>
+                <a:spcPts val="0"/>
+              </a:spcAft>
+              <a:buNone/>
+            </a:pPr>
+            <a:endParaRPr/>
+          </a:p>
+        </p:txBody>
+      </p:sp>
+      <p:sp>
+        <p:nvSpPr>
+          <p:cNvPr id="24" name="Google Shape;84;p15">
+            <a:extLst>
+              <a:ext uri="{FF2B5EF4-FFF2-40B4-BE49-F238E27FC236}">
+                <a16:creationId xmlns:a16="http://schemas.microsoft.com/office/drawing/2014/main" id="{D9BFFF9C-74C8-4CCE-B918-AA76A818A3DD}"/>
+              </a:ext>
+            </a:extLst>
+          </p:cNvPr>
+          <p:cNvSpPr txBox="1">
+            <a:spLocks/>
+          </p:cNvSpPr>
+          <p:nvPr/>
+        </p:nvSpPr>
+        <p:spPr>
+          <a:xfrm>
+            <a:off x="325874" y="2992487"/>
+            <a:ext cx="4154400" cy="402300"/>
+          </a:xfrm>
+          <a:prstGeom prst="rect">
+            <a:avLst/>
+          </a:prstGeom>
+          <a:noFill/>
+          <a:ln>
+            <a:noFill/>
+          </a:ln>
+        </p:spPr>
+        <p:txBody>
+          <a:bodyPr spcFirstLastPara="1" wrap="square" lIns="91425" tIns="91425" rIns="91425" bIns="91425" anchor="t" anchorCtr="0">
+            <a:normAutofit/>
+          </a:bodyPr>
+          <a:lstStyle>
+            <a:defPPr marR="0" lvl="0" algn="l" rtl="0">
+              <a:lnSpc>
+                <a:spcPct val="100000"/>
+              </a:lnSpc>
+              <a:spcBef>
+                <a:spcPts val="0"/>
+              </a:spcBef>
+              <a:spcAft>
+                <a:spcPts val="0"/>
+              </a:spcAft>
+            </a:defPPr>
+            <a:lvl1pPr marL="457200" marR="0" lvl="0" indent="-342900" algn="l" rtl="0">
+              <a:lnSpc>
+                <a:spcPct val="115000"/>
+              </a:lnSpc>
+              <a:spcBef>
+                <a:spcPts val="0"/>
+              </a:spcBef>
+              <a:spcAft>
+                <a:spcPts val="0"/>
+              </a:spcAft>
+              <a:buClr>
+                <a:schemeClr val="lt2"/>
+              </a:buClr>
+              <a:buSzPts val="1800"/>
+              <a:buFont typeface="Arial"/>
+              <a:buChar char="●"/>
+              <a:defRPr sz="1800" b="0" i="0" u="none" strike="noStrike" cap="none">
+                <a:solidFill>
+                  <a:schemeClr val="lt2"/>
+                </a:solidFill>
+                <a:latin typeface="Arial"/>
+                <a:ea typeface="Arial"/>
+                <a:cs typeface="Arial"/>
+                <a:sym typeface="Arial"/>
+              </a:defRPr>
+            </a:lvl1pPr>
+            <a:lvl2pPr marL="914400" marR="0" lvl="1" indent="-317500" algn="l" rtl="0">
+              <a:lnSpc>
+                <a:spcPct val="115000"/>
+              </a:lnSpc>
+              <a:spcBef>
+                <a:spcPts val="0"/>
+              </a:spcBef>
+              <a:spcAft>
+                <a:spcPts val="0"/>
+              </a:spcAft>
+              <a:buClr>
+                <a:schemeClr val="lt2"/>
+              </a:buClr>
+              <a:buSzPts val="1400"/>
+              <a:buFont typeface="Arial"/>
+              <a:buChar char="○"/>
+              <a:defRPr sz="1400" b="0" i="0" u="none" strike="noStrike" cap="none">
+                <a:solidFill>
+                  <a:schemeClr val="lt2"/>
+                </a:solidFill>
+                <a:latin typeface="Arial"/>
+                <a:ea typeface="Arial"/>
+                <a:cs typeface="Arial"/>
+                <a:sym typeface="Arial"/>
+              </a:defRPr>
+            </a:lvl2pPr>
+            <a:lvl3pPr marL="1371600" marR="0" lvl="2" indent="-317500" algn="l" rtl="0">
+              <a:lnSpc>
+                <a:spcPct val="115000"/>
+              </a:lnSpc>
+              <a:spcBef>
+                <a:spcPts val="0"/>
+              </a:spcBef>
+              <a:spcAft>
+                <a:spcPts val="0"/>
+              </a:spcAft>
+              <a:buClr>
+                <a:schemeClr val="lt2"/>
+              </a:buClr>
+              <a:buSzPts val="1400"/>
+              <a:buFont typeface="Arial"/>
+              <a:buChar char="■"/>
+              <a:defRPr sz="1400" b="0" i="0" u="none" strike="noStrike" cap="none">
+                <a:solidFill>
+                  <a:schemeClr val="lt2"/>
+                </a:solidFill>
+                <a:latin typeface="Arial"/>
+                <a:ea typeface="Arial"/>
+                <a:cs typeface="Arial"/>
+                <a:sym typeface="Arial"/>
+              </a:defRPr>
+            </a:lvl3pPr>
+            <a:lvl4pPr marL="1828800" marR="0" lvl="3" indent="-317500" algn="l" rtl="0">
+              <a:lnSpc>
+                <a:spcPct val="115000"/>
+              </a:lnSpc>
+              <a:spcBef>
+                <a:spcPts val="0"/>
+              </a:spcBef>
+              <a:spcAft>
+                <a:spcPts val="0"/>
+              </a:spcAft>
+              <a:buClr>
+                <a:schemeClr val="lt2"/>
+              </a:buClr>
+              <a:buSzPts val="1400"/>
+              <a:buFont typeface="Arial"/>
+              <a:buChar char="●"/>
+              <a:defRPr sz="1400" b="0" i="0" u="none" strike="noStrike" cap="none">
+                <a:solidFill>
+                  <a:schemeClr val="lt2"/>
+                </a:solidFill>
+                <a:latin typeface="Arial"/>
+                <a:ea typeface="Arial"/>
+                <a:cs typeface="Arial"/>
+                <a:sym typeface="Arial"/>
+              </a:defRPr>
+            </a:lvl4pPr>
+            <a:lvl5pPr marL="2286000" marR="0" lvl="4" indent="-317500" algn="l" rtl="0">
+              <a:lnSpc>
+                <a:spcPct val="115000"/>
+              </a:lnSpc>
+              <a:spcBef>
+                <a:spcPts val="0"/>
+              </a:spcBef>
+              <a:spcAft>
+                <a:spcPts val="0"/>
+              </a:spcAft>
+              <a:buClr>
+                <a:schemeClr val="lt2"/>
+              </a:buClr>
+              <a:buSzPts val="1400"/>
+              <a:buFont typeface="Arial"/>
+              <a:buChar char="○"/>
+              <a:defRPr sz="1400" b="0" i="0" u="none" strike="noStrike" cap="none">
+                <a:solidFill>
+                  <a:schemeClr val="lt2"/>
+                </a:solidFill>
+                <a:latin typeface="Arial"/>
+                <a:ea typeface="Arial"/>
+                <a:cs typeface="Arial"/>
+                <a:sym typeface="Arial"/>
+              </a:defRPr>
+            </a:lvl5pPr>
+            <a:lvl6pPr marL="2743200" marR="0" lvl="5" indent="-317500" algn="l" rtl="0">
+              <a:lnSpc>
+                <a:spcPct val="115000"/>
+              </a:lnSpc>
+              <a:spcBef>
+                <a:spcPts val="0"/>
+              </a:spcBef>
+              <a:spcAft>
+                <a:spcPts val="0"/>
+              </a:spcAft>
+              <a:buClr>
+                <a:schemeClr val="lt2"/>
+              </a:buClr>
+              <a:buSzPts val="1400"/>
+              <a:buFont typeface="Arial"/>
+              <a:buChar char="■"/>
+              <a:defRPr sz="1400" b="0" i="0" u="none" strike="noStrike" cap="none">
+                <a:solidFill>
+                  <a:schemeClr val="lt2"/>
+                </a:solidFill>
+                <a:latin typeface="Arial"/>
+                <a:ea typeface="Arial"/>
+                <a:cs typeface="Arial"/>
+                <a:sym typeface="Arial"/>
+              </a:defRPr>
+            </a:lvl6pPr>
+            <a:lvl7pPr marL="3200400" marR="0" lvl="6" indent="-317500" algn="l" rtl="0">
+              <a:lnSpc>
+                <a:spcPct val="115000"/>
+              </a:lnSpc>
+              <a:spcBef>
+                <a:spcPts val="0"/>
+              </a:spcBef>
+              <a:spcAft>
+                <a:spcPts val="0"/>
+              </a:spcAft>
+              <a:buClr>
+                <a:schemeClr val="lt2"/>
+              </a:buClr>
+              <a:buSzPts val="1400"/>
+              <a:buFont typeface="Arial"/>
+              <a:buChar char="●"/>
+              <a:defRPr sz="1400" b="0" i="0" u="none" strike="noStrike" cap="none">
+                <a:solidFill>
+                  <a:schemeClr val="lt2"/>
+                </a:solidFill>
+                <a:latin typeface="Arial"/>
+                <a:ea typeface="Arial"/>
+                <a:cs typeface="Arial"/>
+                <a:sym typeface="Arial"/>
+              </a:defRPr>
+            </a:lvl7pPr>
+            <a:lvl8pPr marL="3657600" marR="0" lvl="7" indent="-317500" algn="l" rtl="0">
+              <a:lnSpc>
+                <a:spcPct val="115000"/>
+              </a:lnSpc>
+              <a:spcBef>
+                <a:spcPts val="0"/>
+              </a:spcBef>
+              <a:spcAft>
+                <a:spcPts val="0"/>
+              </a:spcAft>
+              <a:buClr>
+                <a:schemeClr val="lt2"/>
+              </a:buClr>
+              <a:buSzPts val="1400"/>
+              <a:buFont typeface="Arial"/>
+              <a:buChar char="○"/>
+              <a:defRPr sz="1400" b="0" i="0" u="none" strike="noStrike" cap="none">
+                <a:solidFill>
+                  <a:schemeClr val="lt2"/>
+                </a:solidFill>
+                <a:latin typeface="Arial"/>
+                <a:ea typeface="Arial"/>
+                <a:cs typeface="Arial"/>
+                <a:sym typeface="Arial"/>
+              </a:defRPr>
+            </a:lvl8pPr>
+            <a:lvl9pPr marL="4114800" marR="0" lvl="8" indent="-317500" algn="l" rtl="0">
+              <a:lnSpc>
+                <a:spcPct val="115000"/>
+              </a:lnSpc>
+              <a:spcBef>
+                <a:spcPts val="0"/>
+              </a:spcBef>
+              <a:spcAft>
+                <a:spcPts val="0"/>
+              </a:spcAft>
+              <a:buClr>
+                <a:schemeClr val="lt2"/>
+              </a:buClr>
+              <a:buSzPts val="1400"/>
+              <a:buFont typeface="Arial"/>
+              <a:buChar char="■"/>
+              <a:defRPr sz="1400" b="0" i="0" u="none" strike="noStrike" cap="none">
+                <a:solidFill>
+                  <a:schemeClr val="lt2"/>
+                </a:solidFill>
+                <a:latin typeface="Arial"/>
+                <a:ea typeface="Arial"/>
+                <a:cs typeface="Arial"/>
+                <a:sym typeface="Arial"/>
+              </a:defRPr>
+            </a:lvl9pPr>
+          </a:lstStyle>
+          <a:p>
+            <a:pPr marL="0" indent="0">
+              <a:lnSpc>
+                <a:spcPct val="100000"/>
+              </a:lnSpc>
+              <a:buFont typeface="Arial"/>
+              <a:buNone/>
+            </a:pPr>
+            <a:r>
+              <a:rPr lang="en-US" sz="1200" dirty="0">
+                <a:solidFill>
+                  <a:schemeClr val="dk1"/>
+                </a:solidFill>
+              </a:rPr>
+              <a:t>WHEN I click on the donations submit button</a:t>
+            </a:r>
+          </a:p>
+          <a:p>
+            <a:pPr marL="0" indent="0">
+              <a:lnSpc>
+                <a:spcPct val="100000"/>
+              </a:lnSpc>
+              <a:buFont typeface="Arial"/>
+              <a:buNone/>
+            </a:pPr>
+            <a:endParaRPr lang="en-US" sz="4000" dirty="0">
+              <a:solidFill>
+                <a:schemeClr val="dk1"/>
+              </a:solidFill>
+            </a:endParaRPr>
+          </a:p>
+          <a:p>
+            <a:pPr marL="0" indent="0">
+              <a:lnSpc>
+                <a:spcPct val="100000"/>
+              </a:lnSpc>
+              <a:buFont typeface="Arial"/>
+              <a:buNone/>
+            </a:pPr>
+            <a:endParaRPr lang="en-US" sz="4000" dirty="0">
+              <a:solidFill>
+                <a:schemeClr val="dk1"/>
+              </a:solidFill>
+            </a:endParaRPr>
+          </a:p>
+          <a:p>
+            <a:pPr marL="0" indent="0">
+              <a:lnSpc>
+                <a:spcPct val="100000"/>
+              </a:lnSpc>
+              <a:buFont typeface="Arial"/>
+              <a:buNone/>
+            </a:pPr>
+            <a:endParaRPr lang="en-US" sz="4000" dirty="0">
+              <a:solidFill>
+                <a:schemeClr val="dk1"/>
+              </a:solidFill>
+            </a:endParaRPr>
+          </a:p>
+          <a:p>
+            <a:pPr marL="0" indent="0">
+              <a:lnSpc>
+                <a:spcPct val="100000"/>
+              </a:lnSpc>
+              <a:buFont typeface="Arial"/>
+              <a:buNone/>
+            </a:pPr>
+            <a:endParaRPr lang="en-US" sz="4000" dirty="0">
+              <a:solidFill>
+                <a:srgbClr val="000000"/>
+              </a:solidFill>
+            </a:endParaRPr>
+          </a:p>
+          <a:p>
+            <a:pPr marL="0" indent="0">
+              <a:lnSpc>
+                <a:spcPct val="100000"/>
+              </a:lnSpc>
+              <a:buFont typeface="Arial"/>
+              <a:buNone/>
+            </a:pPr>
+            <a:endParaRPr lang="en-US" sz="4600" dirty="0">
+              <a:solidFill>
+                <a:schemeClr val="dk1"/>
+              </a:solidFill>
+            </a:endParaRPr>
+          </a:p>
+          <a:p>
+            <a:pPr marL="0" indent="0">
+              <a:buFont typeface="Arial"/>
+              <a:buNone/>
+            </a:pPr>
+            <a:endParaRPr lang="en-US" sz="4000" dirty="0">
+              <a:solidFill>
+                <a:schemeClr val="dk1"/>
+              </a:solidFill>
+            </a:endParaRPr>
+          </a:p>
+          <a:p>
+            <a:pPr marL="0" indent="0">
+              <a:spcBef>
+                <a:spcPts val="1200"/>
+              </a:spcBef>
+              <a:buFont typeface="Arial"/>
+              <a:buNone/>
+            </a:pPr>
+            <a:endParaRPr lang="en-US" sz="4000" dirty="0">
+              <a:solidFill>
+                <a:schemeClr val="dk1"/>
+              </a:solidFill>
+            </a:endParaRPr>
+          </a:p>
+          <a:p>
+            <a:pPr marL="0" indent="0">
+              <a:spcBef>
+                <a:spcPts val="1200"/>
+              </a:spcBef>
+              <a:buFont typeface="Arial"/>
+              <a:buNone/>
+            </a:pPr>
+            <a:endParaRPr lang="en-US" sz="4000" dirty="0">
+              <a:solidFill>
+                <a:schemeClr val="dk1"/>
+              </a:solidFill>
+            </a:endParaRPr>
+          </a:p>
+          <a:p>
+            <a:pPr marL="0" indent="0">
+              <a:spcBef>
+                <a:spcPts val="1200"/>
+              </a:spcBef>
+              <a:spcAft>
+                <a:spcPts val="1200"/>
+              </a:spcAft>
+              <a:buFont typeface="Arial"/>
+              <a:buNone/>
+            </a:pPr>
+            <a:endParaRPr lang="en-US" sz="4000" dirty="0"/>
+          </a:p>
+        </p:txBody>
+      </p:sp>
     </p:spTree>
     <p:extLst>
       <p:ext uri="{BB962C8B-B14F-4D97-AF65-F5344CB8AC3E}">
@@ -15081,7 +15689,7 @@
         </p:nvSpPr>
         <p:spPr>
           <a:xfrm>
-            <a:off x="332525" y="1800808"/>
+            <a:off x="332525" y="1570607"/>
             <a:ext cx="5148900" cy="572700"/>
           </a:xfrm>
           <a:prstGeom prst="homePlate">
@@ -15133,7 +15741,7 @@
         </p:nvSpPr>
         <p:spPr>
           <a:xfrm>
-            <a:off x="332525" y="1553792"/>
+            <a:off x="332525" y="1353098"/>
             <a:ext cx="4726200" cy="572700"/>
           </a:xfrm>
           <a:prstGeom prst="rect">
@@ -15188,7 +15796,7 @@
                   <a:schemeClr val="dk1"/>
                 </a:solidFill>
               </a:rPr>
-              <a:t>someone who loves to cats, but does not have the time to deal with animals that have specific medical needs</a:t>
+              <a:t>someone who loves to dogs, but does not have the time to deal with animals that have specific medical needs</a:t>
             </a:r>
             <a:endParaRPr sz="4600" dirty="0">
               <a:solidFill>
@@ -15234,7 +15842,7 @@
         </p:nvSpPr>
         <p:spPr>
           <a:xfrm rot="10800000">
-            <a:off x="3622225" y="2558784"/>
+            <a:off x="3622225" y="2328583"/>
             <a:ext cx="5186400" cy="572700"/>
           </a:xfrm>
           <a:prstGeom prst="homePlate">
@@ -15286,7 +15894,7 @@
         </p:nvSpPr>
         <p:spPr>
           <a:xfrm>
-            <a:off x="3889825" y="2643983"/>
+            <a:off x="3889825" y="2413782"/>
             <a:ext cx="4918800" cy="402300"/>
           </a:xfrm>
           <a:prstGeom prst="rect">
@@ -15433,7 +16041,7 @@
         </p:nvSpPr>
         <p:spPr>
           <a:xfrm rot="10800000">
-            <a:off x="3622225" y="3178109"/>
+            <a:off x="3622225" y="2947908"/>
             <a:ext cx="5186400" cy="572700"/>
           </a:xfrm>
           <a:prstGeom prst="homePlate">
@@ -15485,7 +16093,7 @@
         </p:nvSpPr>
         <p:spPr>
           <a:xfrm>
-            <a:off x="4372625" y="3184642"/>
+            <a:off x="4372625" y="2954441"/>
             <a:ext cx="4464300" cy="572700"/>
           </a:xfrm>
           <a:prstGeom prst="rect">
@@ -16359,7 +16967,7 @@
         </p:nvSpPr>
         <p:spPr>
           <a:xfrm>
-            <a:off x="332525" y="1425044"/>
+            <a:off x="332525" y="1366784"/>
             <a:ext cx="4726200" cy="572700"/>
           </a:xfrm>
           <a:prstGeom prst="rect">
